--- a/slides/Final_Presentation_CNN_ResNet_SeaAnimals.pptx
+++ b/slides/Final_Presentation_CNN_ResNet_SeaAnimals.pptx
@@ -2,24 +2,25 @@
 <file path=ppt/presentation.xml><?xml version="1.0" encoding="utf-8"?>
 <p:presentation xmlns:a="http://schemas.openxmlformats.org/drawingml/2006/main" xmlns:r="http://schemas.openxmlformats.org/officeDocument/2006/relationships" xmlns:p="http://schemas.openxmlformats.org/presentationml/2006/main" saveSubsetFonts="1" autoCompressPictures="0">
   <p:sldMasterIdLst>
-    <p:sldMasterId id="2147483648" r:id="rId1"/>
+    <p:sldMasterId id="2147483690" r:id="rId1"/>
   </p:sldMasterIdLst>
   <p:sldIdLst>
-    <p:sldId id="256" r:id="rId7"/>
-    <p:sldId id="257" r:id="rId8"/>
-    <p:sldId id="258" r:id="rId9"/>
-    <p:sldId id="259" r:id="rId10"/>
-    <p:sldId id="260" r:id="rId11"/>
-    <p:sldId id="261" r:id="rId12"/>
-    <p:sldId id="262" r:id="rId13"/>
-    <p:sldId id="263" r:id="rId14"/>
-    <p:sldId id="264" r:id="rId15"/>
-    <p:sldId id="265" r:id="rId16"/>
-    <p:sldId id="266" r:id="rId17"/>
-    <p:sldId id="267" r:id="rId18"/>
-    <p:sldId id="268" r:id="rId19"/>
-    <p:sldId id="269" r:id="rId20"/>
-    <p:sldId id="270" r:id="rId21"/>
+    <p:sldId id="256" r:id="rId2"/>
+    <p:sldId id="257" r:id="rId3"/>
+    <p:sldId id="258" r:id="rId4"/>
+    <p:sldId id="259" r:id="rId5"/>
+    <p:sldId id="260" r:id="rId6"/>
+    <p:sldId id="261" r:id="rId7"/>
+    <p:sldId id="262" r:id="rId8"/>
+    <p:sldId id="263" r:id="rId9"/>
+    <p:sldId id="264" r:id="rId10"/>
+    <p:sldId id="265" r:id="rId11"/>
+    <p:sldId id="266" r:id="rId12"/>
+    <p:sldId id="267" r:id="rId13"/>
+    <p:sldId id="268" r:id="rId14"/>
+    <p:sldId id="269" r:id="rId15"/>
+    <p:sldId id="270" r:id="rId16"/>
+    <p:sldId id="271" r:id="rId17"/>
   </p:sldIdLst>
   <p:sldSz cx="9144000" cy="6858000" type="screen4x3"/>
   <p:notesSz cx="6858000" cy="9144000"/>
@@ -118,12 +119,36 @@
       </a:defRPr>
     </a:lvl9pPr>
   </p:defaultTextStyle>
+  <p:extLst>
+    <p:ext uri="{EFAFB233-063F-42B5-8137-9DF3F51BA10A}">
+      <p15:sldGuideLst xmlns:p15="http://schemas.microsoft.com/office/powerpoint/2012/main">
+        <p15:guide id="1" orient="horz" pos="2160">
+          <p15:clr>
+            <a:srgbClr val="A4A3A4"/>
+          </p15:clr>
+        </p15:guide>
+        <p15:guide id="2" pos="2880">
+          <p15:clr>
+            <a:srgbClr val="A4A3A4"/>
+          </p15:clr>
+        </p15:guide>
+      </p15:sldGuideLst>
+    </p:ext>
+  </p:extLst>
 </p:presentation>
 </file>
 
 <file path=ppt/slideLayouts/slideLayout1.xml><?xml version="1.0" encoding="utf-8"?>
 <p:sldLayout xmlns:a="http://schemas.openxmlformats.org/drawingml/2006/main" xmlns:r="http://schemas.openxmlformats.org/officeDocument/2006/relationships" xmlns:p="http://schemas.openxmlformats.org/presentationml/2006/main" type="title" preserve="1">
   <p:cSld name="Title Slide">
+    <p:bg>
+      <p:bgPr>
+        <a:solidFill>
+          <a:schemeClr val="accent2"/>
+        </a:solidFill>
+        <a:effectLst/>
+      </p:bgPr>
+    </p:bg>
     <p:spTree>
       <p:nvGrpSpPr>
         <p:cNvPr id="1" name=""/>
@@ -148,146 +173,120 @@
             <p:ph type="ctrTitle"/>
           </p:nvPr>
         </p:nvSpPr>
+        <p:spPr bwMode="blackWhite">
+          <a:xfrm>
+            <a:off x="1102240" y="2386744"/>
+            <a:ext cx="6939520" cy="1645920"/>
+          </a:xfrm>
+          <a:solidFill>
+            <a:srgbClr val="FFFFFF"/>
+          </a:solidFill>
+          <a:ln w="38100">
+            <a:solidFill>
+              <a:srgbClr val="404040"/>
+            </a:solidFill>
+          </a:ln>
+        </p:spPr>
+        <p:txBody>
+          <a:bodyPr lIns="274320" rIns="274320" anchor="ctr" anchorCtr="1">
+            <a:normAutofit/>
+          </a:bodyPr>
+          <a:lstStyle>
+            <a:lvl1pPr algn="ctr">
+              <a:defRPr sz="3500">
+                <a:solidFill>
+                  <a:srgbClr val="262626"/>
+                </a:solidFill>
+              </a:defRPr>
+            </a:lvl1pPr>
+          </a:lstStyle>
+          <a:p>
+            <a:r>
+              <a:rPr lang="en-US"/>
+              <a:t>Click to edit Master title style</a:t>
+            </a:r>
+            <a:endParaRPr lang="en-US" dirty="0"/>
+          </a:p>
+        </p:txBody>
+      </p:sp>
+      <p:sp>
+        <p:nvSpPr>
+          <p:cNvPr id="3" name="Subtitle 2"/>
+          <p:cNvSpPr>
+            <a:spLocks noGrp="1"/>
+          </p:cNvSpPr>
+          <p:nvPr>
+            <p:ph type="subTitle" idx="1"/>
+          </p:nvPr>
+        </p:nvSpPr>
         <p:spPr>
           <a:xfrm>
-            <a:off x="685800" y="2130425"/>
-            <a:ext cx="7772400" cy="1470025"/>
+            <a:off x="2021396" y="4352544"/>
+            <a:ext cx="5101209" cy="1239894"/>
           </a:xfrm>
+          <a:noFill/>
         </p:spPr>
         <p:txBody>
-          <a:bodyPr/>
-          <a:lstStyle/>
-          <a:p>
-            <a:r>
-              <a:rPr lang="en-US" smtClean="0"/>
-              <a:t>Click to edit Master title style</a:t>
-            </a:r>
-            <a:endParaRPr lang="en-US"/>
-          </a:p>
-        </p:txBody>
-      </p:sp>
-      <p:sp>
-        <p:nvSpPr>
-          <p:cNvPr id="3" name="Subtitle 2"/>
-          <p:cNvSpPr>
-            <a:spLocks noGrp="1"/>
-          </p:cNvSpPr>
-          <p:nvPr>
-            <p:ph type="subTitle" idx="1"/>
-          </p:nvPr>
-        </p:nvSpPr>
-        <p:spPr>
-          <a:xfrm>
-            <a:off x="1371600" y="3886200"/>
-            <a:ext cx="6400800" cy="1752600"/>
-          </a:xfrm>
-        </p:spPr>
-        <p:txBody>
-          <a:bodyPr/>
+          <a:bodyPr>
+            <a:normAutofit/>
+          </a:bodyPr>
           <a:lstStyle>
             <a:lvl1pPr marL="0" indent="0" algn="ctr">
               <a:buNone/>
-              <a:defRPr>
+              <a:defRPr sz="1900">
                 <a:solidFill>
                   <a:schemeClr val="tx1">
-                    <a:tint val="75000"/>
+                    <a:lumMod val="75000"/>
+                    <a:lumOff val="25000"/>
                   </a:schemeClr>
                 </a:solidFill>
               </a:defRPr>
             </a:lvl1pPr>
             <a:lvl2pPr marL="457200" indent="0" algn="ctr">
               <a:buNone/>
-              <a:defRPr>
-                <a:solidFill>
-                  <a:schemeClr val="tx1">
-                    <a:tint val="75000"/>
-                  </a:schemeClr>
-                </a:solidFill>
-              </a:defRPr>
+              <a:defRPr sz="1900"/>
             </a:lvl2pPr>
             <a:lvl3pPr marL="914400" indent="0" algn="ctr">
               <a:buNone/>
-              <a:defRPr>
-                <a:solidFill>
-                  <a:schemeClr val="tx1">
-                    <a:tint val="75000"/>
-                  </a:schemeClr>
-                </a:solidFill>
-              </a:defRPr>
+              <a:defRPr sz="1800"/>
             </a:lvl3pPr>
             <a:lvl4pPr marL="1371600" indent="0" algn="ctr">
               <a:buNone/>
-              <a:defRPr>
-                <a:solidFill>
-                  <a:schemeClr val="tx1">
-                    <a:tint val="75000"/>
-                  </a:schemeClr>
-                </a:solidFill>
-              </a:defRPr>
+              <a:defRPr sz="1600"/>
             </a:lvl4pPr>
             <a:lvl5pPr marL="1828800" indent="0" algn="ctr">
               <a:buNone/>
-              <a:defRPr>
-                <a:solidFill>
-                  <a:schemeClr val="tx1">
-                    <a:tint val="75000"/>
-                  </a:schemeClr>
-                </a:solidFill>
-              </a:defRPr>
+              <a:defRPr sz="1600"/>
             </a:lvl5pPr>
             <a:lvl6pPr marL="2286000" indent="0" algn="ctr">
               <a:buNone/>
-              <a:defRPr>
-                <a:solidFill>
-                  <a:schemeClr val="tx1">
-                    <a:tint val="75000"/>
-                  </a:schemeClr>
-                </a:solidFill>
-              </a:defRPr>
+              <a:defRPr sz="1600"/>
             </a:lvl6pPr>
             <a:lvl7pPr marL="2743200" indent="0" algn="ctr">
               <a:buNone/>
-              <a:defRPr>
-                <a:solidFill>
-                  <a:schemeClr val="tx1">
-                    <a:tint val="75000"/>
-                  </a:schemeClr>
-                </a:solidFill>
-              </a:defRPr>
+              <a:defRPr sz="1600"/>
             </a:lvl7pPr>
             <a:lvl8pPr marL="3200400" indent="0" algn="ctr">
               <a:buNone/>
-              <a:defRPr>
-                <a:solidFill>
-                  <a:schemeClr val="tx1">
-                    <a:tint val="75000"/>
-                  </a:schemeClr>
-                </a:solidFill>
-              </a:defRPr>
+              <a:defRPr sz="1600"/>
             </a:lvl8pPr>
             <a:lvl9pPr marL="3657600" indent="0" algn="ctr">
               <a:buNone/>
-              <a:defRPr>
-                <a:solidFill>
-                  <a:schemeClr val="tx1">
-                    <a:tint val="75000"/>
-                  </a:schemeClr>
-                </a:solidFill>
-              </a:defRPr>
+              <a:defRPr sz="1600"/>
             </a:lvl9pPr>
           </a:lstStyle>
           <a:p>
             <a:r>
-              <a:rPr lang="en-US" smtClean="0"/>
+              <a:rPr lang="en-US"/>
               <a:t>Click to edit Master subtitle style</a:t>
             </a:r>
-            <a:endParaRPr lang="en-US"/>
-          </a:p>
-        </p:txBody>
-      </p:sp>
-      <p:sp>
-        <p:nvSpPr>
-          <p:cNvPr id="4" name="Date Placeholder 3"/>
+            <a:endParaRPr lang="en-US" dirty="0"/>
+          </a:p>
+        </p:txBody>
+      </p:sp>
+      <p:sp>
+        <p:nvSpPr>
+          <p:cNvPr id="7" name="Date Placeholder 6"/>
           <p:cNvSpPr>
             <a:spLocks noGrp="1"/>
           </p:cNvSpPr>
@@ -302,7 +301,7 @@
           <a:p>
             <a:fld id="{5BCAD085-E8A6-8845-BD4E-CB4CCA059FC4}" type="datetimeFigureOut">
               <a:rPr lang="en-US" smtClean="0"/>
-              <a:t>1/27/13</a:t>
+              <a:t>6/27/2025</a:t>
             </a:fld>
             <a:endParaRPr lang="en-US"/>
           </a:p>
@@ -310,7 +309,7 @@
       </p:sp>
       <p:sp>
         <p:nvSpPr>
-          <p:cNvPr id="5" name="Footer Placeholder 4"/>
+          <p:cNvPr id="8" name="Footer Placeholder 7"/>
           <p:cNvSpPr>
             <a:spLocks noGrp="1"/>
           </p:cNvSpPr>
@@ -329,7 +328,7 @@
       </p:sp>
       <p:sp>
         <p:nvSpPr>
-          <p:cNvPr id="6" name="Slide Number Placeholder 5"/>
+          <p:cNvPr id="9" name="Slide Number Placeholder 8"/>
           <p:cNvSpPr>
             <a:spLocks noGrp="1"/>
           </p:cNvSpPr>
@@ -353,12 +352,12 @@
     </p:spTree>
     <p:extLst>
       <p:ext uri="{BB962C8B-B14F-4D97-AF65-F5344CB8AC3E}">
-        <p14:creationId xmlns:p14="http://schemas.microsoft.com/office/powerpoint/2010/main" val="3168075583"/>
+        <p14:creationId xmlns:p14="http://schemas.microsoft.com/office/powerpoint/2010/main" val="1316941038"/>
       </p:ext>
     </p:extLst>
   </p:cSld>
   <p:clrMapOvr>
-    <a:masterClrMapping/>
+    <a:overrideClrMapping bg1="dk1" tx1="lt1" bg2="dk2" tx2="lt2" accent1="accent1" accent2="accent2" accent3="accent3" accent4="accent4" accent5="accent5" accent6="accent6" hlink="hlink" folHlink="folHlink"/>
   </p:clrMapOvr>
 </p:sldLayout>
 </file>
@@ -396,10 +395,10 @@
           <a:lstStyle/>
           <a:p>
             <a:r>
-              <a:rPr lang="en-US" smtClean="0"/>
+              <a:rPr lang="en-US"/>
               <a:t>Click to edit Master title style</a:t>
             </a:r>
-            <a:endParaRPr lang="en-US"/>
+            <a:endParaRPr lang="en-US" dirty="0"/>
           </a:p>
         </p:txBody>
       </p:sp>
@@ -420,38 +419,38 @@
           <a:p>
             <a:pPr lvl="0"/>
             <a:r>
-              <a:rPr lang="en-US" smtClean="0"/>
+              <a:rPr lang="en-US"/>
               <a:t>Click to edit Master text styles</a:t>
             </a:r>
           </a:p>
           <a:p>
             <a:pPr lvl="1"/>
             <a:r>
-              <a:rPr lang="en-US" smtClean="0"/>
+              <a:rPr lang="en-US"/>
               <a:t>Second level</a:t>
             </a:r>
           </a:p>
           <a:p>
             <a:pPr lvl="2"/>
             <a:r>
-              <a:rPr lang="en-US" smtClean="0"/>
+              <a:rPr lang="en-US"/>
               <a:t>Third level</a:t>
             </a:r>
           </a:p>
           <a:p>
             <a:pPr lvl="3"/>
             <a:r>
-              <a:rPr lang="en-US" smtClean="0"/>
+              <a:rPr lang="en-US"/>
               <a:t>Fourth level</a:t>
             </a:r>
           </a:p>
           <a:p>
             <a:pPr lvl="4"/>
             <a:r>
-              <a:rPr lang="en-US" smtClean="0"/>
+              <a:rPr lang="en-US"/>
               <a:t>Fifth level</a:t>
             </a:r>
-            <a:endParaRPr lang="en-US"/>
+            <a:endParaRPr lang="en-US" dirty="0"/>
           </a:p>
         </p:txBody>
       </p:sp>
@@ -472,7 +471,7 @@
           <a:p>
             <a:fld id="{5BCAD085-E8A6-8845-BD4E-CB4CCA059FC4}" type="datetimeFigureOut">
               <a:rPr lang="en-US" smtClean="0"/>
-              <a:t>1/27/13</a:t>
+              <a:t>6/27/2025</a:t>
             </a:fld>
             <a:endParaRPr lang="en-US"/>
           </a:p>
@@ -523,7 +522,7 @@
     </p:spTree>
     <p:extLst>
       <p:ext uri="{BB962C8B-B14F-4D97-AF65-F5344CB8AC3E}">
-        <p14:creationId xmlns:p14="http://schemas.microsoft.com/office/powerpoint/2010/main" val="2910927964"/>
+        <p14:creationId xmlns:p14="http://schemas.microsoft.com/office/powerpoint/2010/main" val="74509"/>
       </p:ext>
     </p:extLst>
   </p:cSld>
@@ -562,8 +561,8 @@
         </p:nvSpPr>
         <p:spPr>
           <a:xfrm>
-            <a:off x="6629400" y="274638"/>
-            <a:ext cx="2057400" cy="5851525"/>
+            <a:off x="6489834" y="937260"/>
+            <a:ext cx="1053966" cy="4983480"/>
           </a:xfrm>
         </p:spPr>
         <p:txBody>
@@ -571,10 +570,10 @@
           <a:lstStyle/>
           <a:p>
             <a:r>
-              <a:rPr lang="en-US" smtClean="0"/>
+              <a:rPr lang="en-US"/>
               <a:t>Click to edit Master title style</a:t>
             </a:r>
-            <a:endParaRPr lang="en-US"/>
+            <a:endParaRPr lang="en-US" dirty="0"/>
           </a:p>
         </p:txBody>
       </p:sp>
@@ -590,8 +589,8 @@
         </p:nvSpPr>
         <p:spPr>
           <a:xfrm>
-            <a:off x="457200" y="274638"/>
-            <a:ext cx="6019800" cy="5851525"/>
+            <a:off x="1606046" y="937260"/>
+            <a:ext cx="4716174" cy="4983480"/>
           </a:xfrm>
         </p:spPr>
         <p:txBody>
@@ -600,38 +599,38 @@
           <a:p>
             <a:pPr lvl="0"/>
             <a:r>
-              <a:rPr lang="en-US" smtClean="0"/>
+              <a:rPr lang="en-US"/>
               <a:t>Click to edit Master text styles</a:t>
             </a:r>
           </a:p>
           <a:p>
             <a:pPr lvl="1"/>
             <a:r>
-              <a:rPr lang="en-US" smtClean="0"/>
+              <a:rPr lang="en-US"/>
               <a:t>Second level</a:t>
             </a:r>
           </a:p>
           <a:p>
             <a:pPr lvl="2"/>
             <a:r>
-              <a:rPr lang="en-US" smtClean="0"/>
+              <a:rPr lang="en-US"/>
               <a:t>Third level</a:t>
             </a:r>
           </a:p>
           <a:p>
             <a:pPr lvl="3"/>
             <a:r>
-              <a:rPr lang="en-US" smtClean="0"/>
+              <a:rPr lang="en-US"/>
               <a:t>Fourth level</a:t>
             </a:r>
           </a:p>
           <a:p>
             <a:pPr lvl="4"/>
             <a:r>
-              <a:rPr lang="en-US" smtClean="0"/>
+              <a:rPr lang="en-US"/>
               <a:t>Fifth level</a:t>
             </a:r>
-            <a:endParaRPr lang="en-US"/>
+            <a:endParaRPr lang="en-US" dirty="0"/>
           </a:p>
         </p:txBody>
       </p:sp>
@@ -652,7 +651,7 @@
           <a:p>
             <a:fld id="{5BCAD085-E8A6-8845-BD4E-CB4CCA059FC4}" type="datetimeFigureOut">
               <a:rPr lang="en-US" smtClean="0"/>
-              <a:t>1/27/13</a:t>
+              <a:t>6/27/2025</a:t>
             </a:fld>
             <a:endParaRPr lang="en-US"/>
           </a:p>
@@ -703,7 +702,7 @@
     </p:spTree>
     <p:extLst>
       <p:ext uri="{BB962C8B-B14F-4D97-AF65-F5344CB8AC3E}">
-        <p14:creationId xmlns:p14="http://schemas.microsoft.com/office/powerpoint/2010/main" val="3612223792"/>
+        <p14:creationId xmlns:p14="http://schemas.microsoft.com/office/powerpoint/2010/main" val="4011141776"/>
       </p:ext>
     </p:extLst>
   </p:cSld>
@@ -746,10 +745,10 @@
           <a:lstStyle/>
           <a:p>
             <a:r>
-              <a:rPr lang="en-US" smtClean="0"/>
+              <a:rPr lang="en-US"/>
               <a:t>Click to edit Master title style</a:t>
             </a:r>
-            <a:endParaRPr lang="en-US"/>
+            <a:endParaRPr lang="en-US" dirty="0"/>
           </a:p>
         </p:txBody>
       </p:sp>
@@ -770,44 +769,44 @@
           <a:p>
             <a:pPr lvl="0"/>
             <a:r>
-              <a:rPr lang="en-US" smtClean="0"/>
+              <a:rPr lang="en-US"/>
               <a:t>Click to edit Master text styles</a:t>
             </a:r>
           </a:p>
           <a:p>
             <a:pPr lvl="1"/>
             <a:r>
-              <a:rPr lang="en-US" smtClean="0"/>
+              <a:rPr lang="en-US"/>
               <a:t>Second level</a:t>
             </a:r>
           </a:p>
           <a:p>
             <a:pPr lvl="2"/>
             <a:r>
-              <a:rPr lang="en-US" smtClean="0"/>
+              <a:rPr lang="en-US"/>
               <a:t>Third level</a:t>
             </a:r>
           </a:p>
           <a:p>
             <a:pPr lvl="3"/>
             <a:r>
-              <a:rPr lang="en-US" smtClean="0"/>
+              <a:rPr lang="en-US"/>
               <a:t>Fourth level</a:t>
             </a:r>
           </a:p>
           <a:p>
             <a:pPr lvl="4"/>
             <a:r>
-              <a:rPr lang="en-US" smtClean="0"/>
+              <a:rPr lang="en-US"/>
               <a:t>Fifth level</a:t>
             </a:r>
-            <a:endParaRPr lang="en-US"/>
-          </a:p>
-        </p:txBody>
-      </p:sp>
-      <p:sp>
-        <p:nvSpPr>
-          <p:cNvPr id="4" name="Date Placeholder 3"/>
+            <a:endParaRPr lang="en-US" dirty="0"/>
+          </a:p>
+        </p:txBody>
+      </p:sp>
+      <p:sp>
+        <p:nvSpPr>
+          <p:cNvPr id="7" name="Date Placeholder 6"/>
           <p:cNvSpPr>
             <a:spLocks noGrp="1"/>
           </p:cNvSpPr>
@@ -822,7 +821,7 @@
           <a:p>
             <a:fld id="{5BCAD085-E8A6-8845-BD4E-CB4CCA059FC4}" type="datetimeFigureOut">
               <a:rPr lang="en-US" smtClean="0"/>
-              <a:t>1/27/13</a:t>
+              <a:t>6/27/2025</a:t>
             </a:fld>
             <a:endParaRPr lang="en-US"/>
           </a:p>
@@ -830,7 +829,7 @@
       </p:sp>
       <p:sp>
         <p:nvSpPr>
-          <p:cNvPr id="5" name="Footer Placeholder 4"/>
+          <p:cNvPr id="8" name="Footer Placeholder 7"/>
           <p:cNvSpPr>
             <a:spLocks noGrp="1"/>
           </p:cNvSpPr>
@@ -849,7 +848,7 @@
       </p:sp>
       <p:sp>
         <p:nvSpPr>
-          <p:cNvPr id="6" name="Slide Number Placeholder 5"/>
+          <p:cNvPr id="9" name="Slide Number Placeholder 8"/>
           <p:cNvSpPr>
             <a:spLocks noGrp="1"/>
           </p:cNvSpPr>
@@ -873,7 +872,7 @@
     </p:spTree>
     <p:extLst>
       <p:ext uri="{BB962C8B-B14F-4D97-AF65-F5344CB8AC3E}">
-        <p14:creationId xmlns:p14="http://schemas.microsoft.com/office/powerpoint/2010/main" val="2614314258"/>
+        <p14:creationId xmlns:p14="http://schemas.microsoft.com/office/powerpoint/2010/main" val="3319475244"/>
       </p:ext>
     </p:extLst>
   </p:cSld>
@@ -886,6 +885,14 @@
 <file path=ppt/slideLayouts/slideLayout3.xml><?xml version="1.0" encoding="utf-8"?>
 <p:sldLayout xmlns:a="http://schemas.openxmlformats.org/drawingml/2006/main" xmlns:r="http://schemas.openxmlformats.org/officeDocument/2006/relationships" xmlns:p="http://schemas.openxmlformats.org/presentationml/2006/main" type="secHead" preserve="1">
   <p:cSld name="Section Header">
+    <p:bg>
+      <p:bgPr>
+        <a:solidFill>
+          <a:schemeClr val="accent1"/>
+        </a:solidFill>
+        <a:effectLst/>
+      </p:bgPr>
+    </p:bg>
     <p:spTree>
       <p:nvGrpSpPr>
         <p:cNvPr id="1" name=""/>
@@ -910,60 +917,74 @@
             <p:ph type="title"/>
           </p:nvPr>
         </p:nvSpPr>
+        <p:spPr bwMode="blackWhite">
+          <a:xfrm>
+            <a:off x="1106424" y="2386744"/>
+            <a:ext cx="6940296" cy="1645920"/>
+          </a:xfrm>
+          <a:solidFill>
+            <a:srgbClr val="FFFFFF"/>
+          </a:solidFill>
+          <a:ln w="38100">
+            <a:solidFill>
+              <a:srgbClr val="404040"/>
+            </a:solidFill>
+          </a:ln>
+        </p:spPr>
+        <p:txBody>
+          <a:bodyPr lIns="274320" rIns="274320" anchor="ctr" anchorCtr="1">
+            <a:normAutofit/>
+          </a:bodyPr>
+          <a:lstStyle>
+            <a:lvl1pPr>
+              <a:defRPr sz="3500">
+                <a:solidFill>
+                  <a:srgbClr val="262626"/>
+                </a:solidFill>
+              </a:defRPr>
+            </a:lvl1pPr>
+          </a:lstStyle>
+          <a:p>
+            <a:r>
+              <a:rPr lang="en-US"/>
+              <a:t>Click to edit Master title style</a:t>
+            </a:r>
+            <a:endParaRPr lang="en-US" dirty="0"/>
+          </a:p>
+        </p:txBody>
+      </p:sp>
+      <p:sp>
+        <p:nvSpPr>
+          <p:cNvPr id="3" name="Text Placeholder 2"/>
+          <p:cNvSpPr>
+            <a:spLocks noGrp="1"/>
+          </p:cNvSpPr>
+          <p:nvPr>
+            <p:ph type="body" idx="1"/>
+          </p:nvPr>
+        </p:nvSpPr>
         <p:spPr>
           <a:xfrm>
-            <a:off x="722313" y="4406900"/>
-            <a:ext cx="7772400" cy="1362075"/>
+            <a:off x="2021396" y="4352465"/>
+            <a:ext cx="5101209" cy="1265082"/>
           </a:xfrm>
         </p:spPr>
         <p:txBody>
-          <a:bodyPr anchor="t"/>
-          <a:lstStyle>
-            <a:lvl1pPr algn="l">
-              <a:defRPr sz="4000" b="1" cap="all"/>
-            </a:lvl1pPr>
-          </a:lstStyle>
-          <a:p>
-            <a:r>
-              <a:rPr lang="en-US" smtClean="0"/>
-              <a:t>Click to edit Master title style</a:t>
-            </a:r>
-            <a:endParaRPr lang="en-US"/>
-          </a:p>
-        </p:txBody>
-      </p:sp>
-      <p:sp>
-        <p:nvSpPr>
-          <p:cNvPr id="3" name="Text Placeholder 2"/>
-          <p:cNvSpPr>
-            <a:spLocks noGrp="1"/>
-          </p:cNvSpPr>
-          <p:nvPr>
-            <p:ph type="body" idx="1"/>
-          </p:nvPr>
-        </p:nvSpPr>
-        <p:spPr>
-          <a:xfrm>
-            <a:off x="722313" y="2906713"/>
-            <a:ext cx="7772400" cy="1500187"/>
-          </a:xfrm>
-        </p:spPr>
-        <p:txBody>
-          <a:bodyPr anchor="b"/>
+          <a:bodyPr anchor="t" anchorCtr="1">
+            <a:normAutofit/>
+          </a:bodyPr>
           <a:lstStyle>
             <a:lvl1pPr marL="0" indent="0">
               <a:buNone/>
-              <a:defRPr sz="2000">
+              <a:defRPr sz="1900">
                 <a:solidFill>
-                  <a:schemeClr val="tx1">
-                    <a:tint val="75000"/>
-                  </a:schemeClr>
+                  <a:schemeClr val="tx1"/>
                 </a:solidFill>
               </a:defRPr>
             </a:lvl1pPr>
             <a:lvl2pPr marL="457200" indent="0">
               <a:buNone/>
-              <a:defRPr sz="1800">
+              <a:defRPr sz="1900">
                 <a:solidFill>
                   <a:schemeClr val="tx1">
                     <a:tint val="75000"/>
@@ -973,7 +994,7 @@
             </a:lvl2pPr>
             <a:lvl3pPr marL="914400" indent="0">
               <a:buNone/>
-              <a:defRPr sz="1600">
+              <a:defRPr sz="1800">
                 <a:solidFill>
                   <a:schemeClr val="tx1">
                     <a:tint val="75000"/>
@@ -983,7 +1004,7 @@
             </a:lvl3pPr>
             <a:lvl4pPr marL="1371600" indent="0">
               <a:buNone/>
-              <a:defRPr sz="1400">
+              <a:defRPr sz="1600">
                 <a:solidFill>
                   <a:schemeClr val="tx1">
                     <a:tint val="75000"/>
@@ -993,7 +1014,7 @@
             </a:lvl4pPr>
             <a:lvl5pPr marL="1828800" indent="0">
               <a:buNone/>
-              <a:defRPr sz="1400">
+              <a:defRPr sz="1600">
                 <a:solidFill>
                   <a:schemeClr val="tx1">
                     <a:tint val="75000"/>
@@ -1003,7 +1024,7 @@
             </a:lvl5pPr>
             <a:lvl6pPr marL="2286000" indent="0">
               <a:buNone/>
-              <a:defRPr sz="1400">
+              <a:defRPr sz="1600">
                 <a:solidFill>
                   <a:schemeClr val="tx1">
                     <a:tint val="75000"/>
@@ -1013,7 +1034,7 @@
             </a:lvl6pPr>
             <a:lvl7pPr marL="2743200" indent="0">
               <a:buNone/>
-              <a:defRPr sz="1400">
+              <a:defRPr sz="1600">
                 <a:solidFill>
                   <a:schemeClr val="tx1">
                     <a:tint val="75000"/>
@@ -1023,7 +1044,7 @@
             </a:lvl7pPr>
             <a:lvl8pPr marL="3200400" indent="0">
               <a:buNone/>
-              <a:defRPr sz="1400">
+              <a:defRPr sz="1600">
                 <a:solidFill>
                   <a:schemeClr val="tx1">
                     <a:tint val="75000"/>
@@ -1033,7 +1054,7 @@
             </a:lvl8pPr>
             <a:lvl9pPr marL="3657600" indent="0">
               <a:buNone/>
-              <a:defRPr sz="1400">
+              <a:defRPr sz="1600">
                 <a:solidFill>
                   <a:schemeClr val="tx1">
                     <a:tint val="75000"/>
@@ -1045,7 +1066,7 @@
           <a:p>
             <a:pPr lvl="0"/>
             <a:r>
-              <a:rPr lang="en-US" smtClean="0"/>
+              <a:rPr lang="en-US"/>
               <a:t>Click to edit Master text styles</a:t>
             </a:r>
           </a:p>
@@ -1053,7 +1074,7 @@
       </p:sp>
       <p:sp>
         <p:nvSpPr>
-          <p:cNvPr id="4" name="Date Placeholder 3"/>
+          <p:cNvPr id="7" name="Date Placeholder 6"/>
           <p:cNvSpPr>
             <a:spLocks noGrp="1"/>
           </p:cNvSpPr>
@@ -1068,7 +1089,7 @@
           <a:p>
             <a:fld id="{5BCAD085-E8A6-8845-BD4E-CB4CCA059FC4}" type="datetimeFigureOut">
               <a:rPr lang="en-US" smtClean="0"/>
-              <a:t>1/27/13</a:t>
+              <a:t>6/27/2025</a:t>
             </a:fld>
             <a:endParaRPr lang="en-US"/>
           </a:p>
@@ -1076,7 +1097,7 @@
       </p:sp>
       <p:sp>
         <p:nvSpPr>
-          <p:cNvPr id="5" name="Footer Placeholder 4"/>
+          <p:cNvPr id="8" name="Footer Placeholder 7"/>
           <p:cNvSpPr>
             <a:spLocks noGrp="1"/>
           </p:cNvSpPr>
@@ -1095,7 +1116,7 @@
       </p:sp>
       <p:sp>
         <p:nvSpPr>
-          <p:cNvPr id="6" name="Slide Number Placeholder 5"/>
+          <p:cNvPr id="9" name="Slide Number Placeholder 8"/>
           <p:cNvSpPr>
             <a:spLocks noGrp="1"/>
           </p:cNvSpPr>
@@ -1119,12 +1140,12 @@
     </p:spTree>
     <p:extLst>
       <p:ext uri="{BB962C8B-B14F-4D97-AF65-F5344CB8AC3E}">
-        <p14:creationId xmlns:p14="http://schemas.microsoft.com/office/powerpoint/2010/main" val="960648375"/>
+        <p14:creationId xmlns:p14="http://schemas.microsoft.com/office/powerpoint/2010/main" val="649125334"/>
       </p:ext>
     </p:extLst>
   </p:cSld>
   <p:clrMapOvr>
-    <a:masterClrMapping/>
+    <a:overrideClrMapping bg1="dk1" tx1="lt1" bg2="dk2" tx2="lt2" accent1="accent1" accent2="accent2" accent3="accent3" accent4="accent4" accent5="accent5" accent6="accent6" hlink="hlink" folHlink="folHlink"/>
   </p:clrMapOvr>
 </p:sldLayout>
 </file>
@@ -1162,10 +1183,10 @@
           <a:lstStyle/>
           <a:p>
             <a:r>
-              <a:rPr lang="en-US" smtClean="0"/>
+              <a:rPr lang="en-US"/>
               <a:t>Click to edit Master title style</a:t>
             </a:r>
-            <a:endParaRPr lang="en-US"/>
+            <a:endParaRPr lang="en-US" dirty="0"/>
           </a:p>
         </p:txBody>
       </p:sp>
@@ -1181,76 +1202,48 @@
         </p:nvSpPr>
         <p:spPr>
           <a:xfrm>
-            <a:off x="457200" y="1600200"/>
-            <a:ext cx="4038600" cy="4525963"/>
+            <a:off x="1102239" y="2638044"/>
+            <a:ext cx="3288023" cy="3101982"/>
           </a:xfrm>
         </p:spPr>
         <p:txBody>
           <a:bodyPr/>
-          <a:lstStyle>
-            <a:lvl1pPr>
-              <a:defRPr sz="2800"/>
-            </a:lvl1pPr>
-            <a:lvl2pPr>
-              <a:defRPr sz="2400"/>
-            </a:lvl2pPr>
-            <a:lvl3pPr>
-              <a:defRPr sz="2000"/>
-            </a:lvl3pPr>
-            <a:lvl4pPr>
-              <a:defRPr sz="1800"/>
-            </a:lvl4pPr>
-            <a:lvl5pPr>
-              <a:defRPr sz="1800"/>
-            </a:lvl5pPr>
-            <a:lvl6pPr>
-              <a:defRPr sz="1800"/>
-            </a:lvl6pPr>
-            <a:lvl7pPr>
-              <a:defRPr sz="1800"/>
-            </a:lvl7pPr>
-            <a:lvl8pPr>
-              <a:defRPr sz="1800"/>
-            </a:lvl8pPr>
-            <a:lvl9pPr>
-              <a:defRPr sz="1800"/>
-            </a:lvl9pPr>
-          </a:lstStyle>
+          <a:lstStyle/>
           <a:p>
             <a:pPr lvl="0"/>
             <a:r>
-              <a:rPr lang="en-US" smtClean="0"/>
+              <a:rPr lang="en-US"/>
               <a:t>Click to edit Master text styles</a:t>
             </a:r>
           </a:p>
           <a:p>
             <a:pPr lvl="1"/>
             <a:r>
-              <a:rPr lang="en-US" smtClean="0"/>
+              <a:rPr lang="en-US"/>
               <a:t>Second level</a:t>
             </a:r>
           </a:p>
           <a:p>
             <a:pPr lvl="2"/>
             <a:r>
-              <a:rPr lang="en-US" smtClean="0"/>
+              <a:rPr lang="en-US"/>
               <a:t>Third level</a:t>
             </a:r>
           </a:p>
           <a:p>
             <a:pPr lvl="3"/>
             <a:r>
-              <a:rPr lang="en-US" smtClean="0"/>
+              <a:rPr lang="en-US"/>
               <a:t>Fourth level</a:t>
             </a:r>
           </a:p>
           <a:p>
             <a:pPr lvl="4"/>
             <a:r>
-              <a:rPr lang="en-US" smtClean="0"/>
+              <a:rPr lang="en-US"/>
               <a:t>Fifth level</a:t>
             </a:r>
-            <a:endParaRPr lang="en-US"/>
+            <a:endParaRPr lang="en-US" dirty="0"/>
           </a:p>
         </p:txBody>
       </p:sp>
@@ -1266,82 +1259,54 @@
         </p:nvSpPr>
         <p:spPr>
           <a:xfrm>
-            <a:off x="4648200" y="1600200"/>
-            <a:ext cx="4038600" cy="4525963"/>
+            <a:off x="4753737" y="2638044"/>
+            <a:ext cx="3290516" cy="3101982"/>
           </a:xfrm>
         </p:spPr>
         <p:txBody>
           <a:bodyPr/>
-          <a:lstStyle>
-            <a:lvl1pPr>
-              <a:defRPr sz="2800"/>
-            </a:lvl1pPr>
-            <a:lvl2pPr>
-              <a:defRPr sz="2400"/>
-            </a:lvl2pPr>
-            <a:lvl3pPr>
-              <a:defRPr sz="2000"/>
-            </a:lvl3pPr>
-            <a:lvl4pPr>
-              <a:defRPr sz="1800"/>
-            </a:lvl4pPr>
-            <a:lvl5pPr>
-              <a:defRPr sz="1800"/>
-            </a:lvl5pPr>
-            <a:lvl6pPr>
-              <a:defRPr sz="1800"/>
-            </a:lvl6pPr>
-            <a:lvl7pPr>
-              <a:defRPr sz="1800"/>
-            </a:lvl7pPr>
-            <a:lvl8pPr>
-              <a:defRPr sz="1800"/>
-            </a:lvl8pPr>
-            <a:lvl9pPr>
-              <a:defRPr sz="1800"/>
-            </a:lvl9pPr>
-          </a:lstStyle>
+          <a:lstStyle/>
           <a:p>
             <a:pPr lvl="0"/>
             <a:r>
-              <a:rPr lang="en-US" smtClean="0"/>
+              <a:rPr lang="en-US"/>
               <a:t>Click to edit Master text styles</a:t>
             </a:r>
           </a:p>
           <a:p>
             <a:pPr lvl="1"/>
             <a:r>
-              <a:rPr lang="en-US" smtClean="0"/>
+              <a:rPr lang="en-US"/>
               <a:t>Second level</a:t>
             </a:r>
           </a:p>
           <a:p>
             <a:pPr lvl="2"/>
             <a:r>
-              <a:rPr lang="en-US" smtClean="0"/>
+              <a:rPr lang="en-US"/>
               <a:t>Third level</a:t>
             </a:r>
           </a:p>
           <a:p>
             <a:pPr lvl="3"/>
             <a:r>
-              <a:rPr lang="en-US" smtClean="0"/>
+              <a:rPr lang="en-US"/>
               <a:t>Fourth level</a:t>
             </a:r>
           </a:p>
           <a:p>
             <a:pPr lvl="4"/>
             <a:r>
-              <a:rPr lang="en-US" smtClean="0"/>
+              <a:rPr lang="en-US"/>
               <a:t>Fifth level</a:t>
             </a:r>
-            <a:endParaRPr lang="en-US"/>
-          </a:p>
-        </p:txBody>
-      </p:sp>
-      <p:sp>
-        <p:nvSpPr>
-          <p:cNvPr id="5" name="Date Placeholder 4"/>
+            <a:endParaRPr lang="en-US" dirty="0"/>
+          </a:p>
+        </p:txBody>
+      </p:sp>
+      <p:sp>
+        <p:nvSpPr>
+          <p:cNvPr id="8" name="Date Placeholder 7"/>
           <p:cNvSpPr>
             <a:spLocks noGrp="1"/>
           </p:cNvSpPr>
@@ -1356,7 +1321,7 @@
           <a:p>
             <a:fld id="{5BCAD085-E8A6-8845-BD4E-CB4CCA059FC4}" type="datetimeFigureOut">
               <a:rPr lang="en-US" smtClean="0"/>
-              <a:t>1/27/13</a:t>
+              <a:t>6/27/2025</a:t>
             </a:fld>
             <a:endParaRPr lang="en-US"/>
           </a:p>
@@ -1364,7 +1329,7 @@
       </p:sp>
       <p:sp>
         <p:nvSpPr>
-          <p:cNvPr id="6" name="Footer Placeholder 5"/>
+          <p:cNvPr id="9" name="Footer Placeholder 8"/>
           <p:cNvSpPr>
             <a:spLocks noGrp="1"/>
           </p:cNvSpPr>
@@ -1383,7 +1348,7 @@
       </p:sp>
       <p:sp>
         <p:nvSpPr>
-          <p:cNvPr id="7" name="Slide Number Placeholder 6"/>
+          <p:cNvPr id="10" name="Slide Number Placeholder 9"/>
           <p:cNvSpPr>
             <a:spLocks noGrp="1"/>
           </p:cNvSpPr>
@@ -1407,7 +1372,7 @@
     </p:spTree>
     <p:extLst>
       <p:ext uri="{BB962C8B-B14F-4D97-AF65-F5344CB8AC3E}">
-        <p14:creationId xmlns:p14="http://schemas.microsoft.com/office/powerpoint/2010/main" val="2782244947"/>
+        <p14:creationId xmlns:p14="http://schemas.microsoft.com/office/powerpoint/2010/main" val="3873148917"/>
       </p:ext>
     </p:extLst>
   </p:cSld>
@@ -1436,33 +1401,6 @@
       </p:grpSpPr>
       <p:sp>
         <p:nvSpPr>
-          <p:cNvPr id="2" name="Title 1"/>
-          <p:cNvSpPr>
-            <a:spLocks noGrp="1"/>
-          </p:cNvSpPr>
-          <p:nvPr>
-            <p:ph type="title"/>
-          </p:nvPr>
-        </p:nvSpPr>
-        <p:spPr/>
-        <p:txBody>
-          <a:bodyPr/>
-          <a:lstStyle>
-            <a:lvl1pPr>
-              <a:defRPr/>
-            </a:lvl1pPr>
-          </a:lstStyle>
-          <a:p>
-            <a:r>
-              <a:rPr lang="en-US" smtClean="0"/>
-              <a:t>Click to edit Master title style</a:t>
-            </a:r>
-            <a:endParaRPr lang="en-US"/>
-          </a:p>
-        </p:txBody>
-      </p:sp>
-      <p:sp>
-        <p:nvSpPr>
           <p:cNvPr id="3" name="Text Placeholder 2"/>
           <p:cNvSpPr>
             <a:spLocks noGrp="1"/>
@@ -1473,20 +1411,28 @@
         </p:nvSpPr>
         <p:spPr>
           <a:xfrm>
-            <a:off x="457200" y="1535113"/>
-            <a:ext cx="4040188" cy="639762"/>
+            <a:off x="1102239" y="2313434"/>
+            <a:ext cx="3288024" cy="704087"/>
           </a:xfrm>
         </p:spPr>
         <p:txBody>
-          <a:bodyPr anchor="b"/>
+          <a:bodyPr anchor="b" anchorCtr="1">
+            <a:normAutofit/>
+          </a:bodyPr>
           <a:lstStyle>
-            <a:lvl1pPr marL="0" indent="0">
-              <a:buNone/>
-              <a:defRPr sz="2400" b="1"/>
+            <a:lvl1pPr marL="0" indent="0" algn="ctr">
+              <a:buNone/>
+              <a:defRPr sz="1900" b="0" cap="all" spc="100" baseline="0">
+                <a:solidFill>
+                  <a:schemeClr val="accent2">
+                    <a:lumMod val="75000"/>
+                  </a:schemeClr>
+                </a:solidFill>
+              </a:defRPr>
             </a:lvl1pPr>
             <a:lvl2pPr marL="457200" indent="0">
               <a:buNone/>
-              <a:defRPr sz="2000" b="1"/>
+              <a:defRPr sz="1900" b="1"/>
             </a:lvl2pPr>
             <a:lvl3pPr marL="914400" indent="0">
               <a:buNone/>
@@ -1520,7 +1466,7 @@
           <a:p>
             <a:pPr lvl="0"/>
             <a:r>
-              <a:rPr lang="en-US" smtClean="0"/>
+              <a:rPr lang="en-US"/>
               <a:t>Click to edit Master text styles</a:t>
             </a:r>
           </a:p>
@@ -1538,105 +1484,146 @@
         </p:nvSpPr>
         <p:spPr>
           <a:xfrm>
-            <a:off x="457200" y="2174875"/>
-            <a:ext cx="4040188" cy="3951288"/>
+            <a:off x="1102239" y="3143250"/>
+            <a:ext cx="3288024" cy="2596776"/>
           </a:xfrm>
         </p:spPr>
         <p:txBody>
           <a:bodyPr/>
-          <a:lstStyle>
-            <a:lvl1pPr>
-              <a:defRPr sz="2400"/>
-            </a:lvl1pPr>
-            <a:lvl2pPr>
-              <a:defRPr sz="2000"/>
-            </a:lvl2pPr>
-            <a:lvl3pPr>
-              <a:defRPr sz="1800"/>
-            </a:lvl3pPr>
-            <a:lvl4pPr>
-              <a:defRPr sz="1600"/>
-            </a:lvl4pPr>
-            <a:lvl5pPr>
-              <a:defRPr sz="1600"/>
-            </a:lvl5pPr>
-            <a:lvl6pPr>
-              <a:defRPr sz="1600"/>
-            </a:lvl6pPr>
-            <a:lvl7pPr>
-              <a:defRPr sz="1600"/>
-            </a:lvl7pPr>
-            <a:lvl8pPr>
-              <a:defRPr sz="1600"/>
-            </a:lvl8pPr>
-            <a:lvl9pPr>
-              <a:defRPr sz="1600"/>
-            </a:lvl9pPr>
-          </a:lstStyle>
+          <a:lstStyle/>
           <a:p>
             <a:pPr lvl="0"/>
             <a:r>
-              <a:rPr lang="en-US" smtClean="0"/>
+              <a:rPr lang="en-US"/>
               <a:t>Click to edit Master text styles</a:t>
             </a:r>
           </a:p>
           <a:p>
             <a:pPr lvl="1"/>
             <a:r>
-              <a:rPr lang="en-US" smtClean="0"/>
+              <a:rPr lang="en-US"/>
               <a:t>Second level</a:t>
             </a:r>
           </a:p>
           <a:p>
             <a:pPr lvl="2"/>
             <a:r>
-              <a:rPr lang="en-US" smtClean="0"/>
+              <a:rPr lang="en-US"/>
               <a:t>Third level</a:t>
             </a:r>
           </a:p>
           <a:p>
             <a:pPr lvl="3"/>
             <a:r>
-              <a:rPr lang="en-US" smtClean="0"/>
+              <a:rPr lang="en-US"/>
               <a:t>Fourth level</a:t>
             </a:r>
           </a:p>
           <a:p>
             <a:pPr lvl="4"/>
             <a:r>
-              <a:rPr lang="en-US" smtClean="0"/>
+              <a:rPr lang="en-US"/>
               <a:t>Fifth level</a:t>
             </a:r>
-            <a:endParaRPr lang="en-US"/>
-          </a:p>
-        </p:txBody>
-      </p:sp>
-      <p:sp>
-        <p:nvSpPr>
-          <p:cNvPr id="5" name="Text Placeholder 4"/>
-          <p:cNvSpPr>
-            <a:spLocks noGrp="1"/>
-          </p:cNvSpPr>
-          <p:nvPr>
-            <p:ph type="body" sz="quarter" idx="3"/>
+            <a:endParaRPr lang="en-US" dirty="0"/>
+          </a:p>
+        </p:txBody>
+      </p:sp>
+      <p:sp>
+        <p:nvSpPr>
+          <p:cNvPr id="6" name="Content Placeholder 5"/>
+          <p:cNvSpPr>
+            <a:spLocks noGrp="1"/>
+          </p:cNvSpPr>
+          <p:nvPr>
+            <p:ph sz="quarter" idx="4"/>
           </p:nvPr>
         </p:nvSpPr>
         <p:spPr>
           <a:xfrm>
-            <a:off x="4645025" y="1535113"/>
-            <a:ext cx="4041775" cy="639762"/>
+            <a:off x="4753737" y="3143250"/>
+            <a:ext cx="3290516" cy="2596776"/>
           </a:xfrm>
         </p:spPr>
         <p:txBody>
-          <a:bodyPr anchor="b"/>
+          <a:bodyPr/>
           <a:lstStyle>
-            <a:lvl1pPr marL="0" indent="0">
-              <a:buNone/>
-              <a:defRPr sz="2400" b="1"/>
+            <a:lvl5pPr>
+              <a:defRPr/>
+            </a:lvl5pPr>
+          </a:lstStyle>
+          <a:p>
+            <a:pPr lvl="0"/>
+            <a:r>
+              <a:rPr lang="en-US"/>
+              <a:t>Click to edit Master text styles</a:t>
+            </a:r>
+          </a:p>
+          <a:p>
+            <a:pPr lvl="1"/>
+            <a:r>
+              <a:rPr lang="en-US"/>
+              <a:t>Second level</a:t>
+            </a:r>
+          </a:p>
+          <a:p>
+            <a:pPr lvl="2"/>
+            <a:r>
+              <a:rPr lang="en-US"/>
+              <a:t>Third level</a:t>
+            </a:r>
+          </a:p>
+          <a:p>
+            <a:pPr lvl="3"/>
+            <a:r>
+              <a:rPr lang="en-US"/>
+              <a:t>Fourth level</a:t>
+            </a:r>
+          </a:p>
+          <a:p>
+            <a:pPr lvl="4"/>
+            <a:r>
+              <a:rPr lang="en-US"/>
+              <a:t>Fifth level</a:t>
+            </a:r>
+            <a:endParaRPr lang="en-US" dirty="0"/>
+          </a:p>
+        </p:txBody>
+      </p:sp>
+      <p:sp>
+        <p:nvSpPr>
+          <p:cNvPr id="11" name="Text Placeholder 4"/>
+          <p:cNvSpPr>
+            <a:spLocks noGrp="1"/>
+          </p:cNvSpPr>
+          <p:nvPr>
+            <p:ph type="body" sz="quarter" idx="13"/>
+          </p:nvPr>
+        </p:nvSpPr>
+        <p:spPr>
+          <a:xfrm>
+            <a:off x="4753737" y="2313434"/>
+            <a:ext cx="3290516" cy="704087"/>
+          </a:xfrm>
+        </p:spPr>
+        <p:txBody>
+          <a:bodyPr anchor="b" anchorCtr="1">
+            <a:normAutofit/>
+          </a:bodyPr>
+          <a:lstStyle>
+            <a:lvl1pPr marL="0" indent="0" algn="ctr">
+              <a:buNone/>
+              <a:defRPr sz="1900" b="0" cap="all" spc="100" baseline="0">
+                <a:solidFill>
+                  <a:schemeClr val="accent2">
+                    <a:lumMod val="75000"/>
+                  </a:schemeClr>
+                </a:solidFill>
+              </a:defRPr>
             </a:lvl1pPr>
             <a:lvl2pPr marL="457200" indent="0">
               <a:buNone/>
-              <a:defRPr sz="2000" b="1"/>
+              <a:defRPr sz="1900" b="1"/>
             </a:lvl2pPr>
             <a:lvl3pPr marL="914400" indent="0">
               <a:buNone/>
@@ -1670,94 +1657,9 @@
           <a:p>
             <a:pPr lvl="0"/>
             <a:r>
-              <a:rPr lang="en-US" smtClean="0"/>
+              <a:rPr lang="en-US"/>
               <a:t>Click to edit Master text styles</a:t>
             </a:r>
-          </a:p>
-        </p:txBody>
-      </p:sp>
-      <p:sp>
-        <p:nvSpPr>
-          <p:cNvPr id="6" name="Content Placeholder 5"/>
-          <p:cNvSpPr>
-            <a:spLocks noGrp="1"/>
-          </p:cNvSpPr>
-          <p:nvPr>
-            <p:ph sz="quarter" idx="4"/>
-          </p:nvPr>
-        </p:nvSpPr>
-        <p:spPr>
-          <a:xfrm>
-            <a:off x="4645025" y="2174875"/>
-            <a:ext cx="4041775" cy="3951288"/>
-          </a:xfrm>
-        </p:spPr>
-        <p:txBody>
-          <a:bodyPr/>
-          <a:lstStyle>
-            <a:lvl1pPr>
-              <a:defRPr sz="2400"/>
-            </a:lvl1pPr>
-            <a:lvl2pPr>
-              <a:defRPr sz="2000"/>
-            </a:lvl2pPr>
-            <a:lvl3pPr>
-              <a:defRPr sz="1800"/>
-            </a:lvl3pPr>
-            <a:lvl4pPr>
-              <a:defRPr sz="1600"/>
-            </a:lvl4pPr>
-            <a:lvl5pPr>
-              <a:defRPr sz="1600"/>
-            </a:lvl5pPr>
-            <a:lvl6pPr>
-              <a:defRPr sz="1600"/>
-            </a:lvl6pPr>
-            <a:lvl7pPr>
-              <a:defRPr sz="1600"/>
-            </a:lvl7pPr>
-            <a:lvl8pPr>
-              <a:defRPr sz="1600"/>
-            </a:lvl8pPr>
-            <a:lvl9pPr>
-              <a:defRPr sz="1600"/>
-            </a:lvl9pPr>
-          </a:lstStyle>
-          <a:p>
-            <a:pPr lvl="0"/>
-            <a:r>
-              <a:rPr lang="en-US" smtClean="0"/>
-              <a:t>Click to edit Master text styles</a:t>
-            </a:r>
-          </a:p>
-          <a:p>
-            <a:pPr lvl="1"/>
-            <a:r>
-              <a:rPr lang="en-US" smtClean="0"/>
-              <a:t>Second level</a:t>
-            </a:r>
-          </a:p>
-          <a:p>
-            <a:pPr lvl="2"/>
-            <a:r>
-              <a:rPr lang="en-US" smtClean="0"/>
-              <a:t>Third level</a:t>
-            </a:r>
-          </a:p>
-          <a:p>
-            <a:pPr lvl="3"/>
-            <a:r>
-              <a:rPr lang="en-US" smtClean="0"/>
-              <a:t>Fourth level</a:t>
-            </a:r>
-          </a:p>
-          <a:p>
-            <a:pPr lvl="4"/>
-            <a:r>
-              <a:rPr lang="en-US" smtClean="0"/>
-              <a:t>Fifth level</a:t>
-            </a:r>
-            <a:endParaRPr lang="en-US"/>
           </a:p>
         </p:txBody>
       </p:sp>
@@ -1778,7 +1680,7 @@
           <a:p>
             <a:fld id="{5BCAD085-E8A6-8845-BD4E-CB4CCA059FC4}" type="datetimeFigureOut">
               <a:rPr lang="en-US" smtClean="0"/>
-              <a:t>1/27/13</a:t>
+              <a:t>6/27/2025</a:t>
             </a:fld>
             <a:endParaRPr lang="en-US"/>
           </a:p>
@@ -1826,10 +1728,33 @@
           </a:p>
         </p:txBody>
       </p:sp>
+      <p:sp>
+        <p:nvSpPr>
+          <p:cNvPr id="10" name="Title 9"/>
+          <p:cNvSpPr>
+            <a:spLocks noGrp="1"/>
+          </p:cNvSpPr>
+          <p:nvPr>
+            <p:ph type="title"/>
+          </p:nvPr>
+        </p:nvSpPr>
+        <p:spPr/>
+        <p:txBody>
+          <a:bodyPr/>
+          <a:lstStyle/>
+          <a:p>
+            <a:r>
+              <a:rPr lang="en-US"/>
+              <a:t>Click to edit Master title style</a:t>
+            </a:r>
+            <a:endParaRPr lang="en-US" dirty="0"/>
+          </a:p>
+        </p:txBody>
+      </p:sp>
     </p:spTree>
     <p:extLst>
       <p:ext uri="{BB962C8B-B14F-4D97-AF65-F5344CB8AC3E}">
-        <p14:creationId xmlns:p14="http://schemas.microsoft.com/office/powerpoint/2010/main" val="990158736"/>
+        <p14:creationId xmlns:p14="http://schemas.microsoft.com/office/powerpoint/2010/main" val="705888313"/>
       </p:ext>
     </p:extLst>
   </p:cSld>
@@ -1872,10 +1797,10 @@
           <a:lstStyle/>
           <a:p>
             <a:r>
-              <a:rPr lang="en-US" smtClean="0"/>
+              <a:rPr lang="en-US"/>
               <a:t>Click to edit Master title style</a:t>
             </a:r>
-            <a:endParaRPr lang="en-US"/>
+            <a:endParaRPr lang="en-US" dirty="0"/>
           </a:p>
         </p:txBody>
       </p:sp>
@@ -1896,7 +1821,7 @@
           <a:p>
             <a:fld id="{5BCAD085-E8A6-8845-BD4E-CB4CCA059FC4}" type="datetimeFigureOut">
               <a:rPr lang="en-US" smtClean="0"/>
-              <a:t>1/27/13</a:t>
+              <a:t>6/27/2025</a:t>
             </a:fld>
             <a:endParaRPr lang="en-US"/>
           </a:p>
@@ -1947,7 +1872,7 @@
     </p:spTree>
     <p:extLst>
       <p:ext uri="{BB962C8B-B14F-4D97-AF65-F5344CB8AC3E}">
-        <p14:creationId xmlns:p14="http://schemas.microsoft.com/office/powerpoint/2010/main" val="727027711"/>
+        <p14:creationId xmlns:p14="http://schemas.microsoft.com/office/powerpoint/2010/main" val="1244369781"/>
       </p:ext>
     </p:extLst>
   </p:cSld>
@@ -1991,7 +1916,7 @@
           <a:p>
             <a:fld id="{5BCAD085-E8A6-8845-BD4E-CB4CCA059FC4}" type="datetimeFigureOut">
               <a:rPr lang="en-US" smtClean="0"/>
-              <a:t>1/27/13</a:t>
+              <a:t>6/27/2025</a:t>
             </a:fld>
             <a:endParaRPr lang="en-US"/>
           </a:p>
@@ -2042,7 +1967,7 @@
     </p:spTree>
     <p:extLst>
       <p:ext uri="{BB962C8B-B14F-4D97-AF65-F5344CB8AC3E}">
-        <p14:creationId xmlns:p14="http://schemas.microsoft.com/office/powerpoint/2010/main" val="1212999818"/>
+        <p14:creationId xmlns:p14="http://schemas.microsoft.com/office/powerpoint/2010/main" val="4209130041"/>
       </p:ext>
     </p:extLst>
   </p:cSld>
@@ -2071,231 +1996,328 @@
       </p:grpSpPr>
       <p:sp>
         <p:nvSpPr>
-          <p:cNvPr id="2" name="Title 1"/>
-          <p:cNvSpPr>
-            <a:spLocks noGrp="1"/>
-          </p:cNvSpPr>
-          <p:nvPr>
-            <p:ph type="title"/>
-          </p:nvPr>
+          <p:cNvPr id="26" name="Rectangle 25"/>
+          <p:cNvSpPr/>
+          <p:nvPr/>
         </p:nvSpPr>
         <p:spPr>
           <a:xfrm>
-            <a:off x="457200" y="273050"/>
-            <a:ext cx="3008313" cy="1162050"/>
+            <a:off x="0" y="0"/>
+            <a:ext cx="4572000" cy="6858000"/>
+          </a:xfrm>
+          <a:prstGeom prst="rect">
+            <a:avLst/>
+          </a:prstGeom>
+          <a:solidFill>
+            <a:schemeClr val="accent2"/>
+          </a:solidFill>
+          <a:ln>
+            <a:noFill/>
+          </a:ln>
+        </p:spPr>
+        <p:style>
+          <a:lnRef idx="2">
+            <a:schemeClr val="accent1">
+              <a:shade val="50000"/>
+            </a:schemeClr>
+          </a:lnRef>
+          <a:fillRef idx="1">
+            <a:schemeClr val="accent1"/>
+          </a:fillRef>
+          <a:effectRef idx="0">
+            <a:schemeClr val="accent1"/>
+          </a:effectRef>
+          <a:fontRef idx="minor">
+            <a:schemeClr val="lt1"/>
+          </a:fontRef>
+        </p:style>
+      </p:sp>
+      <p:sp>
+        <p:nvSpPr>
+          <p:cNvPr id="2" name="Title 1"/>
+          <p:cNvSpPr>
+            <a:spLocks noGrp="1"/>
+          </p:cNvSpPr>
+          <p:nvPr>
+            <p:ph type="title"/>
+          </p:nvPr>
+        </p:nvSpPr>
+        <p:spPr bwMode="blackWhite">
+          <a:xfrm>
+            <a:off x="640703" y="2243829"/>
+            <a:ext cx="3290594" cy="1141497"/>
+          </a:xfrm>
+          <a:solidFill>
+            <a:srgbClr val="FFFFFF"/>
+          </a:solidFill>
+          <a:ln>
+            <a:solidFill>
+              <a:srgbClr val="404040"/>
+            </a:solidFill>
+          </a:ln>
+        </p:spPr>
+        <p:txBody>
+          <a:bodyPr anchor="ctr" anchorCtr="1">
+            <a:normAutofit/>
+          </a:bodyPr>
+          <a:lstStyle>
+            <a:lvl1pPr>
+              <a:defRPr sz="2100">
+                <a:solidFill>
+                  <a:srgbClr val="262626"/>
+                </a:solidFill>
+              </a:defRPr>
+            </a:lvl1pPr>
+          </a:lstStyle>
+          <a:p>
+            <a:r>
+              <a:rPr lang="en-US"/>
+              <a:t>Click to edit Master title style</a:t>
+            </a:r>
+            <a:endParaRPr lang="en-US" dirty="0"/>
+          </a:p>
+        </p:txBody>
+      </p:sp>
+      <p:sp>
+        <p:nvSpPr>
+          <p:cNvPr id="3" name="Content Placeholder 2"/>
+          <p:cNvSpPr>
+            <a:spLocks noGrp="1"/>
+          </p:cNvSpPr>
+          <p:nvPr>
+            <p:ph idx="1"/>
+          </p:nvPr>
+        </p:nvSpPr>
+        <p:spPr>
+          <a:xfrm>
+            <a:off x="5052060" y="804672"/>
+            <a:ext cx="3611880" cy="5248656"/>
           </a:xfrm>
         </p:spPr>
         <p:txBody>
-          <a:bodyPr anchor="b"/>
+          <a:bodyPr>
+            <a:normAutofit/>
+          </a:bodyPr>
           <a:lstStyle>
-            <a:lvl1pPr algn="l">
-              <a:defRPr sz="2000" b="1"/>
+            <a:lvl1pPr>
+              <a:defRPr sz="1900">
+                <a:solidFill>
+                  <a:schemeClr val="tx1"/>
+                </a:solidFill>
+              </a:defRPr>
+            </a:lvl1pPr>
+            <a:lvl2pPr>
+              <a:defRPr sz="1600">
+                <a:solidFill>
+                  <a:schemeClr val="tx1"/>
+                </a:solidFill>
+              </a:defRPr>
+            </a:lvl2pPr>
+            <a:lvl3pPr>
+              <a:defRPr sz="1600">
+                <a:solidFill>
+                  <a:schemeClr val="tx1"/>
+                </a:solidFill>
+              </a:defRPr>
+            </a:lvl3pPr>
+            <a:lvl4pPr>
+              <a:defRPr sz="1600">
+                <a:solidFill>
+                  <a:schemeClr val="tx1"/>
+                </a:solidFill>
+              </a:defRPr>
+            </a:lvl4pPr>
+            <a:lvl5pPr>
+              <a:defRPr sz="1600">
+                <a:solidFill>
+                  <a:schemeClr val="tx1"/>
+                </a:solidFill>
+              </a:defRPr>
+            </a:lvl5pPr>
+            <a:lvl6pPr>
+              <a:defRPr sz="1600"/>
+            </a:lvl6pPr>
+            <a:lvl7pPr>
+              <a:defRPr sz="1600"/>
+            </a:lvl7pPr>
+            <a:lvl8pPr>
+              <a:defRPr sz="1600"/>
+            </a:lvl8pPr>
+            <a:lvl9pPr>
+              <a:defRPr sz="1600"/>
+            </a:lvl9pPr>
+          </a:lstStyle>
+          <a:p>
+            <a:pPr lvl="0"/>
+            <a:r>
+              <a:rPr lang="en-US"/>
+              <a:t>Click to edit Master text styles</a:t>
+            </a:r>
+          </a:p>
+          <a:p>
+            <a:pPr lvl="1"/>
+            <a:r>
+              <a:rPr lang="en-US"/>
+              <a:t>Second level</a:t>
+            </a:r>
+          </a:p>
+          <a:p>
+            <a:pPr lvl="2"/>
+            <a:r>
+              <a:rPr lang="en-US"/>
+              <a:t>Third level</a:t>
+            </a:r>
+          </a:p>
+          <a:p>
+            <a:pPr lvl="3"/>
+            <a:r>
+              <a:rPr lang="en-US"/>
+              <a:t>Fourth level</a:t>
+            </a:r>
+          </a:p>
+          <a:p>
+            <a:pPr lvl="4"/>
+            <a:r>
+              <a:rPr lang="en-US"/>
+              <a:t>Fifth level</a:t>
+            </a:r>
+            <a:endParaRPr lang="en-US" dirty="0"/>
+          </a:p>
+        </p:txBody>
+      </p:sp>
+      <p:sp>
+        <p:nvSpPr>
+          <p:cNvPr id="4" name="Text Placeholder 3"/>
+          <p:cNvSpPr>
+            <a:spLocks noGrp="1"/>
+          </p:cNvSpPr>
+          <p:nvPr>
+            <p:ph type="body" sz="half" idx="2"/>
+          </p:nvPr>
+        </p:nvSpPr>
+        <p:spPr>
+          <a:xfrm>
+            <a:off x="862965" y="3549918"/>
+            <a:ext cx="2846070" cy="2194036"/>
+          </a:xfrm>
+        </p:spPr>
+        <p:txBody>
+          <a:bodyPr anchor="t" anchorCtr="1">
+            <a:normAutofit/>
+          </a:bodyPr>
+          <a:lstStyle>
+            <a:lvl1pPr marL="0" indent="0" algn="ctr">
+              <a:buNone/>
+              <a:defRPr sz="1500">
+                <a:solidFill>
+                  <a:srgbClr val="FFFFFF"/>
+                </a:solidFill>
+              </a:defRPr>
+            </a:lvl1pPr>
+            <a:lvl2pPr marL="457200" indent="0">
+              <a:buNone/>
+              <a:defRPr sz="1400"/>
+            </a:lvl2pPr>
+            <a:lvl3pPr marL="914400" indent="0">
+              <a:buNone/>
+              <a:defRPr sz="1200"/>
+            </a:lvl3pPr>
+            <a:lvl4pPr marL="1371600" indent="0">
+              <a:buNone/>
+              <a:defRPr sz="1000"/>
+            </a:lvl4pPr>
+            <a:lvl5pPr marL="1828800" indent="0">
+              <a:buNone/>
+              <a:defRPr sz="1000"/>
+            </a:lvl5pPr>
+            <a:lvl6pPr marL="2286000" indent="0">
+              <a:buNone/>
+              <a:defRPr sz="1000"/>
+            </a:lvl6pPr>
+            <a:lvl7pPr marL="2743200" indent="0">
+              <a:buNone/>
+              <a:defRPr sz="1000"/>
+            </a:lvl7pPr>
+            <a:lvl8pPr marL="3200400" indent="0">
+              <a:buNone/>
+              <a:defRPr sz="1000"/>
+            </a:lvl8pPr>
+            <a:lvl9pPr marL="3657600" indent="0">
+              <a:buNone/>
+              <a:defRPr sz="1000"/>
+            </a:lvl9pPr>
+          </a:lstStyle>
+          <a:p>
+            <a:pPr lvl="0"/>
+            <a:r>
+              <a:rPr lang="en-US"/>
+              <a:t>Click to edit Master text styles</a:t>
+            </a:r>
+          </a:p>
+        </p:txBody>
+      </p:sp>
+      <p:sp>
+        <p:nvSpPr>
+          <p:cNvPr id="9" name="Date Placeholder 8"/>
+          <p:cNvSpPr>
+            <a:spLocks noGrp="1"/>
+          </p:cNvSpPr>
+          <p:nvPr>
+            <p:ph type="dt" sz="half" idx="10"/>
+          </p:nvPr>
+        </p:nvSpPr>
+        <p:spPr/>
+        <p:txBody>
+          <a:bodyPr/>
+          <a:lstStyle/>
+          <a:p>
+            <a:fld id="{5BCAD085-E8A6-8845-BD4E-CB4CCA059FC4}" type="datetimeFigureOut">
+              <a:rPr lang="en-US" smtClean="0"/>
+              <a:t>6/27/2025</a:t>
+            </a:fld>
+            <a:endParaRPr lang="en-US"/>
+          </a:p>
+        </p:txBody>
+      </p:sp>
+      <p:sp>
+        <p:nvSpPr>
+          <p:cNvPr id="10" name="Footer Placeholder 9"/>
+          <p:cNvSpPr>
+            <a:spLocks noGrp="1"/>
+          </p:cNvSpPr>
+          <p:nvPr>
+            <p:ph type="ftr" sz="quarter" idx="11"/>
+          </p:nvPr>
+        </p:nvSpPr>
+        <p:spPr>
+          <a:xfrm>
+            <a:off x="640703" y="6236208"/>
+            <a:ext cx="3806398" cy="320040"/>
+          </a:xfrm>
+        </p:spPr>
+        <p:txBody>
+          <a:bodyPr>
+            <a:normAutofit/>
+          </a:bodyPr>
+          <a:lstStyle>
+            <a:lvl1pPr>
+              <a:defRPr>
+                <a:solidFill>
+                  <a:srgbClr val="FFFFFF">
+                    <a:alpha val="70000"/>
+                  </a:srgbClr>
+                </a:solidFill>
+              </a:defRPr>
             </a:lvl1pPr>
           </a:lstStyle>
           <a:p>
-            <a:r>
-              <a:rPr lang="en-US" smtClean="0"/>
-              <a:t>Click to edit Master title style</a:t>
-            </a:r>
             <a:endParaRPr lang="en-US"/>
           </a:p>
         </p:txBody>
       </p:sp>
       <p:sp>
         <p:nvSpPr>
-          <p:cNvPr id="3" name="Content Placeholder 2"/>
-          <p:cNvSpPr>
-            <a:spLocks noGrp="1"/>
-          </p:cNvSpPr>
-          <p:nvPr>
-            <p:ph idx="1"/>
-          </p:nvPr>
-        </p:nvSpPr>
-        <p:spPr>
-          <a:xfrm>
-            <a:off x="3575050" y="273050"/>
-            <a:ext cx="5111750" cy="5853113"/>
-          </a:xfrm>
-        </p:spPr>
-        <p:txBody>
-          <a:bodyPr/>
-          <a:lstStyle>
-            <a:lvl1pPr>
-              <a:defRPr sz="3200"/>
-            </a:lvl1pPr>
-            <a:lvl2pPr>
-              <a:defRPr sz="2800"/>
-            </a:lvl2pPr>
-            <a:lvl3pPr>
-              <a:defRPr sz="2400"/>
-            </a:lvl3pPr>
-            <a:lvl4pPr>
-              <a:defRPr sz="2000"/>
-            </a:lvl4pPr>
-            <a:lvl5pPr>
-              <a:defRPr sz="2000"/>
-            </a:lvl5pPr>
-            <a:lvl6pPr>
-              <a:defRPr sz="2000"/>
-            </a:lvl6pPr>
-            <a:lvl7pPr>
-              <a:defRPr sz="2000"/>
-            </a:lvl7pPr>
-            <a:lvl8pPr>
-              <a:defRPr sz="2000"/>
-            </a:lvl8pPr>
-            <a:lvl9pPr>
-              <a:defRPr sz="2000"/>
-            </a:lvl9pPr>
-          </a:lstStyle>
-          <a:p>
-            <a:pPr lvl="0"/>
-            <a:r>
-              <a:rPr lang="en-US" smtClean="0"/>
-              <a:t>Click to edit Master text styles</a:t>
-            </a:r>
-          </a:p>
-          <a:p>
-            <a:pPr lvl="1"/>
-            <a:r>
-              <a:rPr lang="en-US" smtClean="0"/>
-              <a:t>Second level</a:t>
-            </a:r>
-          </a:p>
-          <a:p>
-            <a:pPr lvl="2"/>
-            <a:r>
-              <a:rPr lang="en-US" smtClean="0"/>
-              <a:t>Third level</a:t>
-            </a:r>
-          </a:p>
-          <a:p>
-            <a:pPr lvl="3"/>
-            <a:r>
-              <a:rPr lang="en-US" smtClean="0"/>
-              <a:t>Fourth level</a:t>
-            </a:r>
-          </a:p>
-          <a:p>
-            <a:pPr lvl="4"/>
-            <a:r>
-              <a:rPr lang="en-US" smtClean="0"/>
-              <a:t>Fifth level</a:t>
-            </a:r>
-            <a:endParaRPr lang="en-US"/>
-          </a:p>
-        </p:txBody>
-      </p:sp>
-      <p:sp>
-        <p:nvSpPr>
-          <p:cNvPr id="4" name="Text Placeholder 3"/>
-          <p:cNvSpPr>
-            <a:spLocks noGrp="1"/>
-          </p:cNvSpPr>
-          <p:nvPr>
-            <p:ph type="body" sz="half" idx="2"/>
-          </p:nvPr>
-        </p:nvSpPr>
-        <p:spPr>
-          <a:xfrm>
-            <a:off x="457200" y="1435100"/>
-            <a:ext cx="3008313" cy="4691063"/>
-          </a:xfrm>
-        </p:spPr>
-        <p:txBody>
-          <a:bodyPr/>
-          <a:lstStyle>
-            <a:lvl1pPr marL="0" indent="0">
-              <a:buNone/>
-              <a:defRPr sz="1400"/>
-            </a:lvl1pPr>
-            <a:lvl2pPr marL="457200" indent="0">
-              <a:buNone/>
-              <a:defRPr sz="1200"/>
-            </a:lvl2pPr>
-            <a:lvl3pPr marL="914400" indent="0">
-              <a:buNone/>
-              <a:defRPr sz="1000"/>
-            </a:lvl3pPr>
-            <a:lvl4pPr marL="1371600" indent="0">
-              <a:buNone/>
-              <a:defRPr sz="900"/>
-            </a:lvl4pPr>
-            <a:lvl5pPr marL="1828800" indent="0">
-              <a:buNone/>
-              <a:defRPr sz="900"/>
-            </a:lvl5pPr>
-            <a:lvl6pPr marL="2286000" indent="0">
-              <a:buNone/>
-              <a:defRPr sz="900"/>
-            </a:lvl6pPr>
-            <a:lvl7pPr marL="2743200" indent="0">
-              <a:buNone/>
-              <a:defRPr sz="900"/>
-            </a:lvl7pPr>
-            <a:lvl8pPr marL="3200400" indent="0">
-              <a:buNone/>
-              <a:defRPr sz="900"/>
-            </a:lvl8pPr>
-            <a:lvl9pPr marL="3657600" indent="0">
-              <a:buNone/>
-              <a:defRPr sz="900"/>
-            </a:lvl9pPr>
-          </a:lstStyle>
-          <a:p>
-            <a:pPr lvl="0"/>
-            <a:r>
-              <a:rPr lang="en-US" smtClean="0"/>
-              <a:t>Click to edit Master text styles</a:t>
-            </a:r>
-          </a:p>
-        </p:txBody>
-      </p:sp>
-      <p:sp>
-        <p:nvSpPr>
-          <p:cNvPr id="5" name="Date Placeholder 4"/>
-          <p:cNvSpPr>
-            <a:spLocks noGrp="1"/>
-          </p:cNvSpPr>
-          <p:nvPr>
-            <p:ph type="dt" sz="half" idx="10"/>
-          </p:nvPr>
-        </p:nvSpPr>
-        <p:spPr/>
-        <p:txBody>
-          <a:bodyPr/>
-          <a:lstStyle/>
-          <a:p>
-            <a:fld id="{5BCAD085-E8A6-8845-BD4E-CB4CCA059FC4}" type="datetimeFigureOut">
-              <a:rPr lang="en-US" smtClean="0"/>
-              <a:t>1/27/13</a:t>
-            </a:fld>
-            <a:endParaRPr lang="en-US"/>
-          </a:p>
-        </p:txBody>
-      </p:sp>
-      <p:sp>
-        <p:nvSpPr>
-          <p:cNvPr id="6" name="Footer Placeholder 5"/>
-          <p:cNvSpPr>
-            <a:spLocks noGrp="1"/>
-          </p:cNvSpPr>
-          <p:nvPr>
-            <p:ph type="ftr" sz="quarter" idx="11"/>
-          </p:nvPr>
-        </p:nvSpPr>
-        <p:spPr/>
-        <p:txBody>
-          <a:bodyPr/>
-          <a:lstStyle/>
-          <a:p>
-            <a:endParaRPr lang="en-US"/>
-          </a:p>
-        </p:txBody>
-      </p:sp>
-      <p:sp>
-        <p:nvSpPr>
-          <p:cNvPr id="7" name="Slide Number Placeholder 6"/>
+          <p:cNvPr id="11" name="Slide Number Placeholder 10"/>
           <p:cNvSpPr>
             <a:spLocks noGrp="1"/>
           </p:cNvSpPr>
@@ -2319,7 +2341,7 @@
     </p:spTree>
     <p:extLst>
       <p:ext uri="{BB962C8B-B14F-4D97-AF65-F5344CB8AC3E}">
-        <p14:creationId xmlns:p14="http://schemas.microsoft.com/office/powerpoint/2010/main" val="1840726560"/>
+        <p14:creationId xmlns:p14="http://schemas.microsoft.com/office/powerpoint/2010/main" val="3769375390"/>
       </p:ext>
     </p:extLst>
   </p:cSld>
@@ -2348,33 +2370,85 @@
       </p:grpSpPr>
       <p:sp>
         <p:nvSpPr>
-          <p:cNvPr id="2" name="Title 1"/>
-          <p:cNvSpPr>
-            <a:spLocks noGrp="1"/>
-          </p:cNvSpPr>
-          <p:nvPr>
-            <p:ph type="title"/>
-          </p:nvPr>
+          <p:cNvPr id="18" name="Rectangle 17"/>
+          <p:cNvSpPr/>
+          <p:nvPr/>
         </p:nvSpPr>
         <p:spPr>
           <a:xfrm>
-            <a:off x="1792288" y="4800600"/>
-            <a:ext cx="5486400" cy="566738"/>
+            <a:off x="1" y="0"/>
+            <a:ext cx="4571999" cy="6858000"/>
           </a:xfrm>
+          <a:prstGeom prst="rect">
+            <a:avLst/>
+          </a:prstGeom>
+          <a:solidFill>
+            <a:schemeClr val="accent2"/>
+          </a:solidFill>
+          <a:ln>
+            <a:noFill/>
+          </a:ln>
         </p:spPr>
-        <p:txBody>
-          <a:bodyPr anchor="b"/>
+        <p:style>
+          <a:lnRef idx="2">
+            <a:schemeClr val="accent1">
+              <a:shade val="50000"/>
+            </a:schemeClr>
+          </a:lnRef>
+          <a:fillRef idx="1">
+            <a:schemeClr val="accent1"/>
+          </a:fillRef>
+          <a:effectRef idx="0">
+            <a:schemeClr val="accent1"/>
+          </a:effectRef>
+          <a:fontRef idx="minor">
+            <a:schemeClr val="lt1"/>
+          </a:fontRef>
+        </p:style>
+      </p:sp>
+      <p:sp>
+        <p:nvSpPr>
+          <p:cNvPr id="2" name="Title 1"/>
+          <p:cNvSpPr>
+            <a:spLocks noGrp="1"/>
+          </p:cNvSpPr>
+          <p:nvPr>
+            <p:ph type="title"/>
+          </p:nvPr>
+        </p:nvSpPr>
+        <p:spPr bwMode="blackWhite">
+          <a:xfrm>
+            <a:off x="640080" y="2243828"/>
+            <a:ext cx="3291840" cy="1143000"/>
+          </a:xfrm>
+          <a:solidFill>
+            <a:srgbClr val="FFFFFF"/>
+          </a:solidFill>
+          <a:ln>
+            <a:solidFill>
+              <a:srgbClr val="262626"/>
+            </a:solidFill>
+          </a:ln>
+        </p:spPr>
+        <p:txBody>
+          <a:bodyPr anchor="ctr" anchorCtr="1">
+            <a:noAutofit/>
+          </a:bodyPr>
           <a:lstStyle>
-            <a:lvl1pPr algn="l">
-              <a:defRPr sz="2000" b="1"/>
+            <a:lvl1pPr>
+              <a:defRPr sz="2100">
+                <a:solidFill>
+                  <a:srgbClr val="262626"/>
+                </a:solidFill>
+              </a:defRPr>
             </a:lvl1pPr>
           </a:lstStyle>
           <a:p>
             <a:r>
-              <a:rPr lang="en-US" smtClean="0"/>
+              <a:rPr lang="en-US"/>
               <a:t>Click to edit Master title style</a:t>
             </a:r>
-            <a:endParaRPr lang="en-US"/>
+            <a:endParaRPr lang="en-US" dirty="0"/>
           </a:p>
         </p:txBody>
       </p:sp>
@@ -2382,7 +2456,7 @@
         <p:nvSpPr>
           <p:cNvPr id="3" name="Picture Placeholder 2"/>
           <p:cNvSpPr>
-            <a:spLocks noGrp="1"/>
+            <a:spLocks noGrp="1" noChangeAspect="1"/>
           </p:cNvSpPr>
           <p:nvPr>
             <p:ph type="pic" idx="1"/>
@@ -2390,16 +2464,28 @@
         </p:nvSpPr>
         <p:spPr>
           <a:xfrm>
-            <a:off x="1792288" y="612775"/>
-            <a:ext cx="5486400" cy="4114800"/>
+            <a:off x="4572000" y="-42172"/>
+            <a:ext cx="4576573" cy="6858000"/>
           </a:xfrm>
+          <a:solidFill>
+            <a:schemeClr val="bg1">
+              <a:lumMod val="75000"/>
+            </a:schemeClr>
+          </a:solidFill>
         </p:spPr>
         <p:txBody>
-          <a:bodyPr/>
+          <a:bodyPr anchor="t"/>
           <a:lstStyle>
             <a:lvl1pPr marL="0" indent="0">
               <a:buNone/>
-              <a:defRPr sz="3200"/>
+              <a:defRPr sz="3200">
+                <a:solidFill>
+                  <a:schemeClr val="bg1">
+                    <a:lumMod val="85000"/>
+                    <a:lumOff val="15000"/>
+                  </a:schemeClr>
+                </a:solidFill>
+              </a:defRPr>
             </a:lvl1pPr>
             <a:lvl2pPr marL="457200" indent="0">
               <a:buNone/>
@@ -2435,7 +2521,11 @@
             </a:lvl9pPr>
           </a:lstStyle>
           <a:p>
-            <a:endParaRPr lang="en-US"/>
+            <a:r>
+              <a:rPr lang="en-US"/>
+              <a:t>Click icon to add picture</a:t>
+            </a:r>
+            <a:endParaRPr lang="en-US" dirty="0"/>
           </a:p>
         </p:txBody>
       </p:sp>
@@ -2451,54 +2541,60 @@
         </p:nvSpPr>
         <p:spPr>
           <a:xfrm>
-            <a:off x="1792288" y="5367338"/>
-            <a:ext cx="5486400" cy="804862"/>
+            <a:off x="862965" y="3549919"/>
+            <a:ext cx="2846070" cy="2194037"/>
           </a:xfrm>
         </p:spPr>
         <p:txBody>
-          <a:bodyPr/>
+          <a:bodyPr anchor="t" anchorCtr="1">
+            <a:normAutofit/>
+          </a:bodyPr>
           <a:lstStyle>
-            <a:lvl1pPr marL="0" indent="0">
-              <a:buNone/>
-              <a:defRPr sz="1400"/>
+            <a:lvl1pPr marL="0" indent="0" algn="ctr">
+              <a:buNone/>
+              <a:defRPr sz="1500">
+                <a:solidFill>
+                  <a:srgbClr val="FFFFFF"/>
+                </a:solidFill>
+              </a:defRPr>
             </a:lvl1pPr>
             <a:lvl2pPr marL="457200" indent="0">
               <a:buNone/>
-              <a:defRPr sz="1200"/>
+              <a:defRPr sz="1400"/>
             </a:lvl2pPr>
             <a:lvl3pPr marL="914400" indent="0">
               <a:buNone/>
-              <a:defRPr sz="1000"/>
+              <a:defRPr sz="1200"/>
             </a:lvl3pPr>
             <a:lvl4pPr marL="1371600" indent="0">
               <a:buNone/>
-              <a:defRPr sz="900"/>
+              <a:defRPr sz="1000"/>
             </a:lvl4pPr>
             <a:lvl5pPr marL="1828800" indent="0">
               <a:buNone/>
-              <a:defRPr sz="900"/>
+              <a:defRPr sz="1000"/>
             </a:lvl5pPr>
             <a:lvl6pPr marL="2286000" indent="0">
               <a:buNone/>
-              <a:defRPr sz="900"/>
+              <a:defRPr sz="1000"/>
             </a:lvl6pPr>
             <a:lvl7pPr marL="2743200" indent="0">
               <a:buNone/>
-              <a:defRPr sz="900"/>
+              <a:defRPr sz="1000"/>
             </a:lvl7pPr>
             <a:lvl8pPr marL="3200400" indent="0">
               <a:buNone/>
-              <a:defRPr sz="900"/>
+              <a:defRPr sz="1000"/>
             </a:lvl8pPr>
             <a:lvl9pPr marL="3657600" indent="0">
               <a:buNone/>
-              <a:defRPr sz="900"/>
+              <a:defRPr sz="1000"/>
             </a:lvl9pPr>
           </a:lstStyle>
           <a:p>
             <a:pPr lvl="0"/>
             <a:r>
-              <a:rPr lang="en-US" smtClean="0"/>
+              <a:rPr lang="en-US"/>
               <a:t>Click to edit Master text styles</a:t>
             </a:r>
           </a:p>
@@ -2506,7 +2602,7 @@
       </p:sp>
       <p:sp>
         <p:nvSpPr>
-          <p:cNvPr id="5" name="Date Placeholder 4"/>
+          <p:cNvPr id="8" name="Date Placeholder 7"/>
           <p:cNvSpPr>
             <a:spLocks noGrp="1"/>
           </p:cNvSpPr>
@@ -2517,11 +2613,26 @@
         <p:spPr/>
         <p:txBody>
           <a:bodyPr/>
-          <a:lstStyle/>
+          <a:lstStyle>
+            <a:lvl1pPr>
+              <a:defRPr>
+                <a:solidFill>
+                  <a:srgbClr val="FFFFFF"/>
+                </a:solidFill>
+                <a:effectLst>
+                  <a:outerShdw blurRad="50800" dist="38100" dir="2700000" algn="tl" rotWithShape="0">
+                    <a:prstClr val="black">
+                      <a:alpha val="43000"/>
+                    </a:prstClr>
+                  </a:outerShdw>
+                </a:effectLst>
+              </a:defRPr>
+            </a:lvl1pPr>
+          </a:lstStyle>
           <a:p>
             <a:fld id="{5BCAD085-E8A6-8845-BD4E-CB4CCA059FC4}" type="datetimeFigureOut">
               <a:rPr lang="en-US" smtClean="0"/>
-              <a:t>1/27/13</a:t>
+              <a:t>6/27/2025</a:t>
             </a:fld>
             <a:endParaRPr lang="en-US"/>
           </a:p>
@@ -2529,7 +2640,7 @@
       </p:sp>
       <p:sp>
         <p:nvSpPr>
-          <p:cNvPr id="6" name="Footer Placeholder 5"/>
+          <p:cNvPr id="9" name="Footer Placeholder 8"/>
           <p:cNvSpPr>
             <a:spLocks noGrp="1"/>
           </p:cNvSpPr>
@@ -2537,10 +2648,27 @@
             <p:ph type="ftr" sz="quarter" idx="11"/>
           </p:nvPr>
         </p:nvSpPr>
-        <p:spPr/>
-        <p:txBody>
-          <a:bodyPr/>
-          <a:lstStyle/>
+        <p:spPr>
+          <a:xfrm>
+            <a:off x="640080" y="6236208"/>
+            <a:ext cx="3803904" cy="320040"/>
+          </a:xfrm>
+        </p:spPr>
+        <p:txBody>
+          <a:bodyPr>
+            <a:normAutofit/>
+          </a:bodyPr>
+          <a:lstStyle>
+            <a:lvl1pPr>
+              <a:defRPr>
+                <a:solidFill>
+                  <a:srgbClr val="FFFFFF">
+                    <a:alpha val="70000"/>
+                  </a:srgbClr>
+                </a:solidFill>
+              </a:defRPr>
+            </a:lvl1pPr>
+          </a:lstStyle>
           <a:p>
             <a:endParaRPr lang="en-US"/>
           </a:p>
@@ -2548,7 +2676,7 @@
       </p:sp>
       <p:sp>
         <p:nvSpPr>
-          <p:cNvPr id="7" name="Slide Number Placeholder 6"/>
+          <p:cNvPr id="10" name="Slide Number Placeholder 9"/>
           <p:cNvSpPr>
             <a:spLocks noGrp="1"/>
           </p:cNvSpPr>
@@ -2572,7 +2700,7 @@
     </p:spTree>
     <p:extLst>
       <p:ext uri="{BB962C8B-B14F-4D97-AF65-F5344CB8AC3E}">
-        <p14:creationId xmlns:p14="http://schemas.microsoft.com/office/powerpoint/2010/main" val="3889236939"/>
+        <p14:creationId xmlns:p14="http://schemas.microsoft.com/office/powerpoint/2010/main" val="2355460287"/>
       </p:ext>
     </p:extLst>
   </p:cSld>
@@ -2586,9 +2714,14 @@
 <p:sldMaster xmlns:a="http://schemas.openxmlformats.org/drawingml/2006/main" xmlns:r="http://schemas.openxmlformats.org/officeDocument/2006/relationships" xmlns:p="http://schemas.openxmlformats.org/presentationml/2006/main">
   <p:cSld>
     <p:bg>
-      <p:bgRef idx="1001">
-        <a:schemeClr val="bg1"/>
-      </p:bgRef>
+      <p:bgPr>
+        <a:solidFill>
+          <a:schemeClr val="bg1">
+            <a:lumMod val="95000"/>
+          </a:schemeClr>
+        </a:solidFill>
+        <a:effectLst/>
+      </p:bgPr>
     </p:bg>
     <p:spTree>
       <p:nvGrpSpPr>
@@ -2614,105 +2747,155 @@
             <p:ph type="title"/>
           </p:nvPr>
         </p:nvSpPr>
+        <p:spPr bwMode="black">
+          <a:xfrm>
+            <a:off x="1606045" y="964692"/>
+            <a:ext cx="5937755" cy="1188720"/>
+          </a:xfrm>
+          <a:prstGeom prst="rect">
+            <a:avLst/>
+          </a:prstGeom>
+          <a:solidFill>
+            <a:srgbClr val="FFFFFF"/>
+          </a:solidFill>
+          <a:ln w="31750" cap="sq">
+            <a:solidFill>
+              <a:srgbClr val="404040"/>
+            </a:solidFill>
+            <a:miter lim="800000"/>
+          </a:ln>
+        </p:spPr>
+        <p:txBody>
+          <a:bodyPr vert="horz" lIns="182880" tIns="182880" rIns="182880" bIns="182880" rtlCol="0" anchor="ctr">
+            <a:normAutofit/>
+          </a:bodyPr>
+          <a:lstStyle/>
+          <a:p>
+            <a:r>
+              <a:rPr lang="en-US"/>
+              <a:t>Click to edit Master title style</a:t>
+            </a:r>
+            <a:endParaRPr lang="en-US" dirty="0"/>
+          </a:p>
+        </p:txBody>
+      </p:sp>
+      <p:sp>
+        <p:nvSpPr>
+          <p:cNvPr id="3" name="Text Placeholder 2"/>
+          <p:cNvSpPr>
+            <a:spLocks noGrp="1"/>
+          </p:cNvSpPr>
+          <p:nvPr>
+            <p:ph type="body" idx="1"/>
+          </p:nvPr>
+        </p:nvSpPr>
         <p:spPr>
           <a:xfrm>
-            <a:off x="457200" y="274638"/>
-            <a:ext cx="8229600" cy="1143000"/>
+            <a:off x="1606045" y="2638045"/>
+            <a:ext cx="5937755" cy="3101983"/>
           </a:xfrm>
           <a:prstGeom prst="rect">
             <a:avLst/>
           </a:prstGeom>
         </p:spPr>
         <p:txBody>
-          <a:bodyPr vert="horz" lIns="91440" tIns="45720" rIns="91440" bIns="45720" rtlCol="0" anchor="ctr">
+          <a:bodyPr vert="horz" lIns="91440" tIns="45720" rIns="91440" bIns="45720" rtlCol="0">
             <a:normAutofit/>
           </a:bodyPr>
           <a:lstStyle/>
           <a:p>
-            <a:r>
-              <a:rPr lang="en-US" smtClean="0"/>
-              <a:t>Click to edit Master title style</a:t>
-            </a:r>
-            <a:endParaRPr lang="en-US"/>
-          </a:p>
-        </p:txBody>
-      </p:sp>
-      <p:sp>
-        <p:nvSpPr>
-          <p:cNvPr id="3" name="Text Placeholder 2"/>
-          <p:cNvSpPr>
-            <a:spLocks noGrp="1"/>
-          </p:cNvSpPr>
-          <p:nvPr>
-            <p:ph type="body" idx="1"/>
+            <a:pPr lvl="0"/>
+            <a:r>
+              <a:rPr lang="en-US"/>
+              <a:t>Click to edit Master text styles</a:t>
+            </a:r>
+          </a:p>
+          <a:p>
+            <a:pPr lvl="1"/>
+            <a:r>
+              <a:rPr lang="en-US"/>
+              <a:t>Second level</a:t>
+            </a:r>
+          </a:p>
+          <a:p>
+            <a:pPr lvl="2"/>
+            <a:r>
+              <a:rPr lang="en-US"/>
+              <a:t>Third level</a:t>
+            </a:r>
+          </a:p>
+          <a:p>
+            <a:pPr lvl="3"/>
+            <a:r>
+              <a:rPr lang="en-US"/>
+              <a:t>Fourth level</a:t>
+            </a:r>
+          </a:p>
+          <a:p>
+            <a:pPr lvl="4"/>
+            <a:r>
+              <a:rPr lang="en-US"/>
+              <a:t>Fifth level</a:t>
+            </a:r>
+            <a:endParaRPr lang="en-US" dirty="0"/>
+          </a:p>
+        </p:txBody>
+      </p:sp>
+      <p:sp>
+        <p:nvSpPr>
+          <p:cNvPr id="4" name="Date Placeholder 3"/>
+          <p:cNvSpPr>
+            <a:spLocks noGrp="1"/>
+          </p:cNvSpPr>
+          <p:nvPr>
+            <p:ph type="dt" sz="half" idx="2"/>
           </p:nvPr>
         </p:nvSpPr>
         <p:spPr>
           <a:xfrm>
-            <a:off x="457200" y="1600200"/>
-            <a:ext cx="8229600" cy="4525963"/>
+            <a:off x="5978943" y="6238816"/>
+            <a:ext cx="2065310" cy="323968"/>
           </a:xfrm>
           <a:prstGeom prst="rect">
             <a:avLst/>
           </a:prstGeom>
         </p:spPr>
         <p:txBody>
-          <a:bodyPr vert="horz" lIns="91440" tIns="45720" rIns="91440" bIns="45720" rtlCol="0">
-            <a:normAutofit/>
-          </a:bodyPr>
-          <a:lstStyle/>
-          <a:p>
-            <a:pPr lvl="0"/>
-            <a:r>
+          <a:bodyPr vert="horz" lIns="91440" tIns="45720" rIns="91440" bIns="45720" rtlCol="0" anchor="ctr"/>
+          <a:lstStyle>
+            <a:lvl1pPr algn="r">
+              <a:defRPr sz="1000">
+                <a:solidFill>
+                  <a:schemeClr val="tx1">
+                    <a:alpha val="70000"/>
+                  </a:schemeClr>
+                </a:solidFill>
+              </a:defRPr>
+            </a:lvl1pPr>
+          </a:lstStyle>
+          <a:p>
+            <a:fld id="{5BCAD085-E8A6-8845-BD4E-CB4CCA059FC4}" type="datetimeFigureOut">
               <a:rPr lang="en-US" smtClean="0"/>
-              <a:t>Click to edit Master text styles</a:t>
-            </a:r>
-          </a:p>
-          <a:p>
-            <a:pPr lvl="1"/>
-            <a:r>
-              <a:rPr lang="en-US" smtClean="0"/>
-              <a:t>Second level</a:t>
-            </a:r>
-          </a:p>
-          <a:p>
-            <a:pPr lvl="2"/>
-            <a:r>
-              <a:rPr lang="en-US" smtClean="0"/>
-              <a:t>Third level</a:t>
-            </a:r>
-          </a:p>
-          <a:p>
-            <a:pPr lvl="3"/>
-            <a:r>
-              <a:rPr lang="en-US" smtClean="0"/>
-              <a:t>Fourth level</a:t>
-            </a:r>
-          </a:p>
-          <a:p>
-            <a:pPr lvl="4"/>
-            <a:r>
-              <a:rPr lang="en-US" smtClean="0"/>
-              <a:t>Fifth level</a:t>
-            </a:r>
+              <a:t>6/27/2025</a:t>
+            </a:fld>
             <a:endParaRPr lang="en-US"/>
           </a:p>
         </p:txBody>
       </p:sp>
       <p:sp>
         <p:nvSpPr>
-          <p:cNvPr id="4" name="Date Placeholder 3"/>
-          <p:cNvSpPr>
-            <a:spLocks noGrp="1"/>
-          </p:cNvSpPr>
-          <p:nvPr>
-            <p:ph type="dt" sz="half" idx="2"/>
+          <p:cNvPr id="5" name="Footer Placeholder 4"/>
+          <p:cNvSpPr>
+            <a:spLocks noGrp="1"/>
+          </p:cNvSpPr>
+          <p:nvPr>
+            <p:ph type="ftr" sz="quarter" idx="3"/>
           </p:nvPr>
         </p:nvSpPr>
         <p:spPr>
           <a:xfrm>
-            <a:off x="457200" y="6356350"/>
-            <a:ext cx="2133600" cy="365125"/>
+            <a:off x="1102239" y="6236208"/>
+            <a:ext cx="4556664" cy="320040"/>
           </a:xfrm>
           <a:prstGeom prst="rect">
             <a:avLst/>
@@ -2722,89 +2905,53 @@
           <a:bodyPr vert="horz" lIns="91440" tIns="45720" rIns="91440" bIns="45720" rtlCol="0" anchor="ctr"/>
           <a:lstStyle>
             <a:lvl1pPr algn="l">
-              <a:defRPr sz="1200">
+              <a:defRPr sz="1000">
                 <a:solidFill>
                   <a:schemeClr val="tx1">
-                    <a:tint val="75000"/>
+                    <a:alpha val="70000"/>
                   </a:schemeClr>
                 </a:solidFill>
               </a:defRPr>
             </a:lvl1pPr>
           </a:lstStyle>
           <a:p>
-            <a:fld id="{5BCAD085-E8A6-8845-BD4E-CB4CCA059FC4}" type="datetimeFigureOut">
-              <a:rPr lang="en-US" smtClean="0"/>
-              <a:t>1/27/13</a:t>
-            </a:fld>
             <a:endParaRPr lang="en-US"/>
           </a:p>
         </p:txBody>
       </p:sp>
       <p:sp>
         <p:nvSpPr>
-          <p:cNvPr id="5" name="Footer Placeholder 4"/>
-          <p:cNvSpPr>
-            <a:spLocks noGrp="1"/>
-          </p:cNvSpPr>
-          <p:nvPr>
-            <p:ph type="ftr" sz="quarter" idx="3"/>
+          <p:cNvPr id="6" name="Slide Number Placeholder 5"/>
+          <p:cNvSpPr>
+            <a:spLocks noGrp="1"/>
+          </p:cNvSpPr>
+          <p:nvPr>
+            <p:ph type="sldNum" sz="quarter" idx="4"/>
           </p:nvPr>
         </p:nvSpPr>
         <p:spPr>
           <a:xfrm>
-            <a:off x="3124200" y="6356350"/>
-            <a:ext cx="2895600" cy="365125"/>
+            <a:off x="8240112" y="6217920"/>
+            <a:ext cx="365760" cy="365760"/>
           </a:xfrm>
-          <a:prstGeom prst="rect">
+          <a:prstGeom prst="ellipse">
             <a:avLst/>
           </a:prstGeom>
+          <a:solidFill>
+            <a:srgbClr val="1D1D1D">
+              <a:alpha val="69804"/>
+            </a:srgbClr>
+          </a:solidFill>
         </p:spPr>
         <p:txBody>
-          <a:bodyPr vert="horz" lIns="91440" tIns="45720" rIns="91440" bIns="45720" rtlCol="0" anchor="ctr"/>
+          <a:bodyPr vert="horz" lIns="18288" tIns="45720" rIns="18288" bIns="45720" rtlCol="0" anchor="ctr">
+            <a:noAutofit/>
+          </a:bodyPr>
           <a:lstStyle>
             <a:lvl1pPr algn="ctr">
-              <a:defRPr sz="1200">
+              <a:defRPr sz="1100" spc="0" baseline="0">
                 <a:solidFill>
-                  <a:schemeClr val="tx1">
-                    <a:tint val="75000"/>
-                  </a:schemeClr>
-                </a:solidFill>
-              </a:defRPr>
-            </a:lvl1pPr>
-          </a:lstStyle>
-          <a:p>
-            <a:endParaRPr lang="en-US"/>
-          </a:p>
-        </p:txBody>
-      </p:sp>
-      <p:sp>
-        <p:nvSpPr>
-          <p:cNvPr id="6" name="Slide Number Placeholder 5"/>
-          <p:cNvSpPr>
-            <a:spLocks noGrp="1"/>
-          </p:cNvSpPr>
-          <p:nvPr>
-            <p:ph type="sldNum" sz="quarter" idx="4"/>
-          </p:nvPr>
-        </p:nvSpPr>
-        <p:spPr>
-          <a:xfrm>
-            <a:off x="6553200" y="6356350"/>
-            <a:ext cx="2133600" cy="365125"/>
-          </a:xfrm>
-          <a:prstGeom prst="rect">
-            <a:avLst/>
-          </a:prstGeom>
-        </p:spPr>
-        <p:txBody>
-          <a:bodyPr vert="horz" lIns="91440" tIns="45720" rIns="91440" bIns="45720" rtlCol="0" anchor="ctr"/>
-          <a:lstStyle>
-            <a:lvl1pPr algn="r">
-              <a:defRPr sz="1200">
-                <a:solidFill>
-                  <a:schemeClr val="tx1">
-                    <a:tint val="75000"/>
-                  </a:schemeClr>
+                  <a:srgbClr val="FFFFFF"/>
                 </a:solidFill>
               </a:defRPr>
             </a:lvl1pPr>
@@ -2821,34 +2968,37 @@
     </p:spTree>
     <p:extLst>
       <p:ext uri="{BB962C8B-B14F-4D97-AF65-F5344CB8AC3E}">
-        <p14:creationId xmlns:p14="http://schemas.microsoft.com/office/powerpoint/2010/main" val="2209977519"/>
+        <p14:creationId xmlns:p14="http://schemas.microsoft.com/office/powerpoint/2010/main" val="63761438"/>
       </p:ext>
     </p:extLst>
   </p:cSld>
   <p:clrMap bg1="lt1" tx1="dk1" bg2="lt2" tx2="dk2" accent1="accent1" accent2="accent2" accent3="accent3" accent4="accent4" accent5="accent5" accent6="accent6" hlink="hlink" folHlink="folHlink"/>
   <p:sldLayoutIdLst>
-    <p:sldLayoutId id="2147483649" r:id="rId1"/>
-    <p:sldLayoutId id="2147483650" r:id="rId2"/>
-    <p:sldLayoutId id="2147483651" r:id="rId3"/>
-    <p:sldLayoutId id="2147483652" r:id="rId4"/>
-    <p:sldLayoutId id="2147483653" r:id="rId5"/>
-    <p:sldLayoutId id="2147483654" r:id="rId6"/>
-    <p:sldLayoutId id="2147483655" r:id="rId7"/>
-    <p:sldLayoutId id="2147483656" r:id="rId8"/>
-    <p:sldLayoutId id="2147483657" r:id="rId9"/>
-    <p:sldLayoutId id="2147483658" r:id="rId10"/>
-    <p:sldLayoutId id="2147483659" r:id="rId11"/>
+    <p:sldLayoutId id="2147483691" r:id="rId1"/>
+    <p:sldLayoutId id="2147483692" r:id="rId2"/>
+    <p:sldLayoutId id="2147483693" r:id="rId3"/>
+    <p:sldLayoutId id="2147483694" r:id="rId4"/>
+    <p:sldLayoutId id="2147483695" r:id="rId5"/>
+    <p:sldLayoutId id="2147483696" r:id="rId6"/>
+    <p:sldLayoutId id="2147483697" r:id="rId7"/>
+    <p:sldLayoutId id="2147483698" r:id="rId8"/>
+    <p:sldLayoutId id="2147483699" r:id="rId9"/>
+    <p:sldLayoutId id="2147483700" r:id="rId10"/>
+    <p:sldLayoutId id="2147483701" r:id="rId11"/>
   </p:sldLayoutIdLst>
   <p:txStyles>
     <p:titleStyle>
-      <a:lvl1pPr algn="ctr" defTabSz="457200" rtl="0" eaLnBrk="1" latinLnBrk="0" hangingPunct="1">
+      <a:lvl1pPr algn="ctr" defTabSz="914400" rtl="0" eaLnBrk="1" latinLnBrk="0" hangingPunct="1">
+        <a:lnSpc>
+          <a:spcPct val="90000"/>
+        </a:lnSpc>
         <a:spcBef>
           <a:spcPct val="0"/>
         </a:spcBef>
         <a:buNone/>
-        <a:defRPr sz="4400" kern="1200">
+        <a:defRPr sz="2600" kern="1200" cap="all" spc="200" baseline="0">
           <a:solidFill>
-            <a:schemeClr val="tx1"/>
+            <a:srgbClr val="262626"/>
           </a:solidFill>
           <a:latin typeface="+mj-lt"/>
           <a:ea typeface="+mj-ea"/>
@@ -2857,88 +3007,139 @@
       </a:lvl1pPr>
     </p:titleStyle>
     <p:bodyStyle>
-      <a:lvl1pPr marL="342900" indent="-342900" algn="l" defTabSz="457200" rtl="0" eaLnBrk="1" latinLnBrk="0" hangingPunct="1">
+      <a:lvl1pPr marL="228600" indent="-228600" algn="l" defTabSz="914400" rtl="0" eaLnBrk="1" latinLnBrk="0" hangingPunct="1">
+        <a:lnSpc>
+          <a:spcPct val="100000"/>
+        </a:lnSpc>
         <a:spcBef>
-          <a:spcPct val="20000"/>
+          <a:spcPts val="1000"/>
         </a:spcBef>
-        <a:buFont typeface="Arial"/>
+        <a:buClr>
+          <a:schemeClr val="accent2"/>
+        </a:buClr>
+        <a:buFont typeface="Arial" panose="020B0604020202020204" pitchFamily="34" charset="0"/>
         <a:buChar char="•"/>
-        <a:defRPr sz="3200" kern="1200">
+        <a:defRPr sz="1800" kern="1200">
           <a:solidFill>
-            <a:schemeClr val="tx1"/>
+            <a:schemeClr val="tx1">
+              <a:lumMod val="85000"/>
+              <a:lumOff val="15000"/>
+            </a:schemeClr>
           </a:solidFill>
           <a:latin typeface="+mn-lt"/>
           <a:ea typeface="+mn-ea"/>
           <a:cs typeface="+mn-cs"/>
         </a:defRPr>
       </a:lvl1pPr>
-      <a:lvl2pPr marL="742950" indent="-285750" algn="l" defTabSz="457200" rtl="0" eaLnBrk="1" latinLnBrk="0" hangingPunct="1">
+      <a:lvl2pPr marL="457200" indent="-228600" algn="l" defTabSz="914400" rtl="0" eaLnBrk="1" latinLnBrk="0" hangingPunct="1">
+        <a:lnSpc>
+          <a:spcPct val="100000"/>
+        </a:lnSpc>
         <a:spcBef>
-          <a:spcPct val="20000"/>
+          <a:spcPts val="1000"/>
         </a:spcBef>
-        <a:buFont typeface="Arial"/>
-        <a:buChar char="–"/>
-        <a:defRPr sz="2800" kern="1200">
+        <a:buClr>
+          <a:schemeClr val="accent2"/>
+        </a:buClr>
+        <a:buFont typeface="Arial" panose="020B0604020202020204" pitchFamily="34" charset="0"/>
+        <a:buChar char="•"/>
+        <a:defRPr sz="1600" kern="1200">
           <a:solidFill>
-            <a:schemeClr val="tx1"/>
+            <a:schemeClr val="tx1">
+              <a:lumMod val="85000"/>
+              <a:lumOff val="15000"/>
+            </a:schemeClr>
           </a:solidFill>
           <a:latin typeface="+mn-lt"/>
           <a:ea typeface="+mn-ea"/>
           <a:cs typeface="+mn-cs"/>
         </a:defRPr>
       </a:lvl2pPr>
-      <a:lvl3pPr marL="1143000" indent="-228600" algn="l" defTabSz="457200" rtl="0" eaLnBrk="1" latinLnBrk="0" hangingPunct="1">
+      <a:lvl3pPr marL="685800" indent="-228600" algn="l" defTabSz="914400" rtl="0" eaLnBrk="1" latinLnBrk="0" hangingPunct="1">
+        <a:lnSpc>
+          <a:spcPct val="100000"/>
+        </a:lnSpc>
         <a:spcBef>
-          <a:spcPct val="20000"/>
+          <a:spcPts val="1000"/>
         </a:spcBef>
-        <a:buFont typeface="Arial"/>
+        <a:buClr>
+          <a:schemeClr val="accent2"/>
+        </a:buClr>
+        <a:buFont typeface="Arial" panose="020B0604020202020204" pitchFamily="34" charset="0"/>
         <a:buChar char="•"/>
-        <a:defRPr sz="2400" kern="1200">
+        <a:defRPr sz="1600" kern="1200">
           <a:solidFill>
-            <a:schemeClr val="tx1"/>
+            <a:schemeClr val="tx1">
+              <a:lumMod val="85000"/>
+              <a:lumOff val="15000"/>
+            </a:schemeClr>
           </a:solidFill>
           <a:latin typeface="+mn-lt"/>
           <a:ea typeface="+mn-ea"/>
           <a:cs typeface="+mn-cs"/>
         </a:defRPr>
       </a:lvl3pPr>
-      <a:lvl4pPr marL="1600200" indent="-228600" algn="l" defTabSz="457200" rtl="0" eaLnBrk="1" latinLnBrk="0" hangingPunct="1">
+      <a:lvl4pPr marL="914400" indent="-228600" algn="l" defTabSz="914400" rtl="0" eaLnBrk="1" latinLnBrk="0" hangingPunct="1">
+        <a:lnSpc>
+          <a:spcPct val="100000"/>
+        </a:lnSpc>
         <a:spcBef>
-          <a:spcPct val="20000"/>
+          <a:spcPts val="1000"/>
         </a:spcBef>
-        <a:buFont typeface="Arial"/>
-        <a:buChar char="–"/>
-        <a:defRPr sz="2000" kern="1200">
+        <a:buClr>
+          <a:schemeClr val="accent2"/>
+        </a:buClr>
+        <a:buFont typeface="Arial" panose="020B0604020202020204" pitchFamily="34" charset="0"/>
+        <a:buChar char="•"/>
+        <a:defRPr sz="1600" kern="1200">
           <a:solidFill>
-            <a:schemeClr val="tx1"/>
+            <a:schemeClr val="tx1">
+              <a:lumMod val="85000"/>
+              <a:lumOff val="15000"/>
+            </a:schemeClr>
           </a:solidFill>
           <a:latin typeface="+mn-lt"/>
           <a:ea typeface="+mn-ea"/>
           <a:cs typeface="+mn-cs"/>
         </a:defRPr>
       </a:lvl4pPr>
-      <a:lvl5pPr marL="2057400" indent="-228600" algn="l" defTabSz="457200" rtl="0" eaLnBrk="1" latinLnBrk="0" hangingPunct="1">
+      <a:lvl5pPr marL="1143000" indent="-228600" algn="l" defTabSz="914400" rtl="0" eaLnBrk="1" latinLnBrk="0" hangingPunct="1">
+        <a:lnSpc>
+          <a:spcPct val="100000"/>
+        </a:lnSpc>
         <a:spcBef>
-          <a:spcPct val="20000"/>
+          <a:spcPts val="1000"/>
         </a:spcBef>
-        <a:buFont typeface="Arial"/>
-        <a:buChar char="»"/>
-        <a:defRPr sz="2000" kern="1200">
+        <a:buClr>
+          <a:schemeClr val="accent2"/>
+        </a:buClr>
+        <a:buFont typeface="Arial" panose="020B0604020202020204" pitchFamily="34" charset="0"/>
+        <a:buChar char="•"/>
+        <a:defRPr sz="1600" kern="1200">
           <a:solidFill>
-            <a:schemeClr val="tx1"/>
+            <a:schemeClr val="tx1">
+              <a:lumMod val="85000"/>
+              <a:lumOff val="15000"/>
+            </a:schemeClr>
           </a:solidFill>
           <a:latin typeface="+mn-lt"/>
           <a:ea typeface="+mn-ea"/>
           <a:cs typeface="+mn-cs"/>
         </a:defRPr>
       </a:lvl5pPr>
-      <a:lvl6pPr marL="2514600" indent="-228600" algn="l" defTabSz="457200" rtl="0" eaLnBrk="1" latinLnBrk="0" hangingPunct="1">
+      <a:lvl6pPr marL="1314450" indent="-228600" algn="l" defTabSz="914400" rtl="0" eaLnBrk="1" latinLnBrk="0" hangingPunct="1">
+        <a:lnSpc>
+          <a:spcPct val="100000"/>
+        </a:lnSpc>
         <a:spcBef>
-          <a:spcPct val="20000"/>
+          <a:spcPts val="1000"/>
         </a:spcBef>
-        <a:buFont typeface="Arial"/>
+        <a:buClr>
+          <a:schemeClr val="accent2"/>
+        </a:buClr>
+        <a:buFont typeface="Arial" panose="020B0604020202020204" pitchFamily="34" charset="0"/>
         <a:buChar char="•"/>
-        <a:defRPr sz="2000" kern="1200">
+        <a:defRPr sz="1600" kern="1200">
           <a:solidFill>
             <a:schemeClr val="tx1"/>
           </a:solidFill>
@@ -2947,13 +3148,19 @@
           <a:cs typeface="+mn-cs"/>
         </a:defRPr>
       </a:lvl6pPr>
-      <a:lvl7pPr marL="2971800" indent="-228600" algn="l" defTabSz="457200" rtl="0" eaLnBrk="1" latinLnBrk="0" hangingPunct="1">
+      <a:lvl7pPr marL="1485900" indent="-228600" algn="l" defTabSz="914400" rtl="0" eaLnBrk="1" latinLnBrk="0" hangingPunct="1">
+        <a:lnSpc>
+          <a:spcPct val="100000"/>
+        </a:lnSpc>
         <a:spcBef>
-          <a:spcPct val="20000"/>
+          <a:spcPts val="1000"/>
         </a:spcBef>
-        <a:buFont typeface="Arial"/>
+        <a:buClr>
+          <a:schemeClr val="accent2"/>
+        </a:buClr>
+        <a:buFont typeface="Arial" panose="020B0604020202020204" pitchFamily="34" charset="0"/>
         <a:buChar char="•"/>
-        <a:defRPr sz="2000" kern="1200">
+        <a:defRPr sz="1600" kern="1200">
           <a:solidFill>
             <a:schemeClr val="tx1"/>
           </a:solidFill>
@@ -2962,13 +3169,19 @@
           <a:cs typeface="+mn-cs"/>
         </a:defRPr>
       </a:lvl7pPr>
-      <a:lvl8pPr marL="3429000" indent="-228600" algn="l" defTabSz="457200" rtl="0" eaLnBrk="1" latinLnBrk="0" hangingPunct="1">
+      <a:lvl8pPr marL="1657350" indent="-228600" algn="l" defTabSz="914400" rtl="0" eaLnBrk="1" latinLnBrk="0" hangingPunct="1">
+        <a:lnSpc>
+          <a:spcPct val="100000"/>
+        </a:lnSpc>
         <a:spcBef>
-          <a:spcPct val="20000"/>
+          <a:spcPts val="1000"/>
         </a:spcBef>
-        <a:buFont typeface="Arial"/>
+        <a:buClr>
+          <a:schemeClr val="accent2"/>
+        </a:buClr>
+        <a:buFont typeface="Arial" panose="020B0604020202020204" pitchFamily="34" charset="0"/>
         <a:buChar char="•"/>
-        <a:defRPr sz="2000" kern="1200">
+        <a:defRPr sz="1600" kern="1200" baseline="0">
           <a:solidFill>
             <a:schemeClr val="tx1"/>
           </a:solidFill>
@@ -2977,13 +3190,19 @@
           <a:cs typeface="+mn-cs"/>
         </a:defRPr>
       </a:lvl8pPr>
-      <a:lvl9pPr marL="3886200" indent="-228600" algn="l" defTabSz="457200" rtl="0" eaLnBrk="1" latinLnBrk="0" hangingPunct="1">
+      <a:lvl9pPr marL="1828800" indent="-228600" algn="l" defTabSz="914400" rtl="0" eaLnBrk="1" latinLnBrk="0" hangingPunct="1">
+        <a:lnSpc>
+          <a:spcPct val="100000"/>
+        </a:lnSpc>
         <a:spcBef>
-          <a:spcPct val="20000"/>
+          <a:spcPts val="1000"/>
         </a:spcBef>
-        <a:buFont typeface="Arial"/>
+        <a:buClr>
+          <a:schemeClr val="accent2"/>
+        </a:buClr>
+        <a:buFont typeface="Arial" panose="020B0604020202020204" pitchFamily="34" charset="0"/>
         <a:buChar char="•"/>
-        <a:defRPr sz="2000" kern="1200">
+        <a:defRPr sz="1600" kern="1200" baseline="0">
           <a:solidFill>
             <a:schemeClr val="tx1"/>
           </a:solidFill>
@@ -2997,7 +3216,7 @@
       <a:defPPr>
         <a:defRPr lang="en-US"/>
       </a:defPPr>
-      <a:lvl1pPr marL="0" algn="l" defTabSz="457200" rtl="0" eaLnBrk="1" latinLnBrk="0" hangingPunct="1">
+      <a:lvl1pPr marL="0" algn="l" defTabSz="914400" rtl="0" eaLnBrk="1" latinLnBrk="0" hangingPunct="1">
         <a:defRPr sz="1800" kern="1200">
           <a:solidFill>
             <a:schemeClr val="tx1"/>
@@ -3007,7 +3226,7 @@
           <a:cs typeface="+mn-cs"/>
         </a:defRPr>
       </a:lvl1pPr>
-      <a:lvl2pPr marL="457200" algn="l" defTabSz="457200" rtl="0" eaLnBrk="1" latinLnBrk="0" hangingPunct="1">
+      <a:lvl2pPr marL="457200" algn="l" defTabSz="914400" rtl="0" eaLnBrk="1" latinLnBrk="0" hangingPunct="1">
         <a:defRPr sz="1800" kern="1200">
           <a:solidFill>
             <a:schemeClr val="tx1"/>
@@ -3017,7 +3236,7 @@
           <a:cs typeface="+mn-cs"/>
         </a:defRPr>
       </a:lvl2pPr>
-      <a:lvl3pPr marL="914400" algn="l" defTabSz="457200" rtl="0" eaLnBrk="1" latinLnBrk="0" hangingPunct="1">
+      <a:lvl3pPr marL="914400" algn="l" defTabSz="914400" rtl="0" eaLnBrk="1" latinLnBrk="0" hangingPunct="1">
         <a:defRPr sz="1800" kern="1200">
           <a:solidFill>
             <a:schemeClr val="tx1"/>
@@ -3027,7 +3246,7 @@
           <a:cs typeface="+mn-cs"/>
         </a:defRPr>
       </a:lvl3pPr>
-      <a:lvl4pPr marL="1371600" algn="l" defTabSz="457200" rtl="0" eaLnBrk="1" latinLnBrk="0" hangingPunct="1">
+      <a:lvl4pPr marL="1371600" algn="l" defTabSz="914400" rtl="0" eaLnBrk="1" latinLnBrk="0" hangingPunct="1">
         <a:defRPr sz="1800" kern="1200">
           <a:solidFill>
             <a:schemeClr val="tx1"/>
@@ -3037,7 +3256,7 @@
           <a:cs typeface="+mn-cs"/>
         </a:defRPr>
       </a:lvl4pPr>
-      <a:lvl5pPr marL="1828800" algn="l" defTabSz="457200" rtl="0" eaLnBrk="1" latinLnBrk="0" hangingPunct="1">
+      <a:lvl5pPr marL="1828800" algn="l" defTabSz="914400" rtl="0" eaLnBrk="1" latinLnBrk="0" hangingPunct="1">
         <a:defRPr sz="1800" kern="1200">
           <a:solidFill>
             <a:schemeClr val="tx1"/>
@@ -3047,7 +3266,7 @@
           <a:cs typeface="+mn-cs"/>
         </a:defRPr>
       </a:lvl5pPr>
-      <a:lvl6pPr marL="2286000" algn="l" defTabSz="457200" rtl="0" eaLnBrk="1" latinLnBrk="0" hangingPunct="1">
+      <a:lvl6pPr marL="2286000" algn="l" defTabSz="914400" rtl="0" eaLnBrk="1" latinLnBrk="0" hangingPunct="1">
         <a:defRPr sz="1800" kern="1200">
           <a:solidFill>
             <a:schemeClr val="tx1"/>
@@ -3057,7 +3276,7 @@
           <a:cs typeface="+mn-cs"/>
         </a:defRPr>
       </a:lvl6pPr>
-      <a:lvl7pPr marL="2743200" algn="l" defTabSz="457200" rtl="0" eaLnBrk="1" latinLnBrk="0" hangingPunct="1">
+      <a:lvl7pPr marL="2743200" algn="l" defTabSz="914400" rtl="0" eaLnBrk="1" latinLnBrk="0" hangingPunct="1">
         <a:defRPr sz="1800" kern="1200">
           <a:solidFill>
             <a:schemeClr val="tx1"/>
@@ -3067,7 +3286,7 @@
           <a:cs typeface="+mn-cs"/>
         </a:defRPr>
       </a:lvl7pPr>
-      <a:lvl8pPr marL="3200400" algn="l" defTabSz="457200" rtl="0" eaLnBrk="1" latinLnBrk="0" hangingPunct="1">
+      <a:lvl8pPr marL="3200400" algn="l" defTabSz="914400" rtl="0" eaLnBrk="1" latinLnBrk="0" hangingPunct="1">
         <a:defRPr sz="1800" kern="1200">
           <a:solidFill>
             <a:schemeClr val="tx1"/>
@@ -3077,7 +3296,7 @@
           <a:cs typeface="+mn-cs"/>
         </a:defRPr>
       </a:lvl8pPr>
-      <a:lvl9pPr marL="3657600" algn="l" defTabSz="457200" rtl="0" eaLnBrk="1" latinLnBrk="0" hangingPunct="1">
+      <a:lvl9pPr marL="3657600" algn="l" defTabSz="914400" rtl="0" eaLnBrk="1" latinLnBrk="0" hangingPunct="1">
         <a:defRPr sz="1800" kern="1200">
           <a:solidFill>
             <a:schemeClr val="tx1"/>
@@ -3093,7 +3312,7 @@
 </file>
 
 <file path=ppt/slides/slide1.xml><?xml version="1.0" encoding="utf-8"?>
-<p:sld xmlns:a="http://schemas.openxmlformats.org/drawingml/2006/main" xmlns:p="http://schemas.openxmlformats.org/presentationml/2006/main" xmlns:r="http://schemas.openxmlformats.org/officeDocument/2006/relationships">
+<p:sld xmlns:a="http://schemas.openxmlformats.org/drawingml/2006/main" xmlns:r="http://schemas.openxmlformats.org/officeDocument/2006/relationships" xmlns:p="http://schemas.openxmlformats.org/presentationml/2006/main">
   <p:cSld>
     <p:spTree>
       <p:nvGrpSpPr>
@@ -3101,7 +3320,14 @@
         <p:cNvGrpSpPr/>
         <p:nvPr/>
       </p:nvGrpSpPr>
-      <p:grpSpPr/>
+      <p:grpSpPr>
+        <a:xfrm>
+          <a:off x="0" y="0"/>
+          <a:ext cx="0" cy="0"/>
+          <a:chOff x="0" y="0"/>
+          <a:chExt cx="0" cy="0"/>
+        </a:xfrm>
+      </p:grpSpPr>
       <p:sp>
         <p:nvSpPr>
           <p:cNvPr id="2" name="Title 1"/>
@@ -3114,7 +3340,9 @@
         </p:nvSpPr>
         <p:spPr/>
         <p:txBody>
-          <a:bodyPr/>
+          <a:bodyPr>
+            <a:normAutofit/>
+          </a:bodyPr>
           <a:lstStyle/>
           <a:p>
             <a:r>
@@ -3153,7 +3381,7 @@
 </file>
 
 <file path=ppt/slides/slide10.xml><?xml version="1.0" encoding="utf-8"?>
-<p:sld xmlns:a="http://schemas.openxmlformats.org/drawingml/2006/main" xmlns:p="http://schemas.openxmlformats.org/presentationml/2006/main" xmlns:r="http://schemas.openxmlformats.org/officeDocument/2006/relationships">
+<p:sld xmlns:a="http://schemas.openxmlformats.org/drawingml/2006/main" xmlns:r="http://schemas.openxmlformats.org/officeDocument/2006/relationships" xmlns:p="http://schemas.openxmlformats.org/presentationml/2006/main">
   <p:cSld>
     <p:spTree>
       <p:nvGrpSpPr>
@@ -3161,7 +3389,14 @@
         <p:cNvGrpSpPr/>
         <p:nvPr/>
       </p:nvGrpSpPr>
-      <p:grpSpPr/>
+      <p:grpSpPr>
+        <a:xfrm>
+          <a:off x="0" y="0"/>
+          <a:ext cx="0" cy="0"/>
+          <a:chOff x="0" y="0"/>
+          <a:chExt cx="0" cy="0"/>
+        </a:xfrm>
+      </p:grpSpPr>
       <p:sp>
         <p:nvSpPr>
           <p:cNvPr id="2" name="Title 1"/>
@@ -3197,27 +3432,25 @@
         <p:txBody>
           <a:bodyPr/>
           <a:lstStyle/>
-          <a:p/>
-          <a:p>
-            <a:pPr/>
+          <a:p>
+            <a:endParaRPr/>
+          </a:p>
+          <a:p>
             <a:r>
               <a:t>ResNetTransfer: 98% acc, CNN02: ~92%, CNN01: ~85%</a:t>
             </a:r>
           </a:p>
           <a:p>
-            <a:pPr/>
             <a:r>
               <a:t>ResNet είχε μικρότερο overfitting</a:t>
             </a:r>
           </a:p>
           <a:p>
-            <a:pPr/>
             <a:r>
               <a:t>Χρόνοι εκπαίδευσης: CNN01 &lt; CNN02 &lt; ResNet</a:t>
             </a:r>
           </a:p>
           <a:p>
-            <a:pPr/>
             <a:r>
               <a:t>Συνιστώμενη επιλογή: ResNetTransfer</a:t>
             </a:r>
@@ -3233,7 +3466,7 @@
 </file>
 
 <file path=ppt/slides/slide11.xml><?xml version="1.0" encoding="utf-8"?>
-<p:sld xmlns:a="http://schemas.openxmlformats.org/drawingml/2006/main" xmlns:p="http://schemas.openxmlformats.org/presentationml/2006/main" xmlns:r="http://schemas.openxmlformats.org/officeDocument/2006/relationships">
+<p:sld xmlns:a="http://schemas.openxmlformats.org/drawingml/2006/main" xmlns:r="http://schemas.openxmlformats.org/officeDocument/2006/relationships" xmlns:p="http://schemas.openxmlformats.org/presentationml/2006/main">
   <p:cSld>
     <p:spTree>
       <p:nvGrpSpPr>
@@ -3241,7 +3474,14 @@
         <p:cNvGrpSpPr/>
         <p:nvPr/>
       </p:nvGrpSpPr>
-      <p:grpSpPr/>
+      <p:grpSpPr>
+        <a:xfrm>
+          <a:off x="0" y="0"/>
+          <a:ext cx="0" cy="0"/>
+          <a:chOff x="0" y="0"/>
+          <a:chExt cx="0" cy="0"/>
+        </a:xfrm>
+      </p:grpSpPr>
       <p:sp>
         <p:nvSpPr>
           <p:cNvPr id="2" name="Title 1"/>
@@ -3277,27 +3517,25 @@
         <p:txBody>
           <a:bodyPr/>
           <a:lstStyle/>
-          <a:p/>
-          <a:p>
-            <a:pPr/>
+          <a:p>
+            <a:endParaRPr/>
+          </a:p>
+          <a:p>
             <a:r>
               <a:t>Τα δικά μας CNNs αποδίδουν ικανοποιητικά</a:t>
             </a:r>
           </a:p>
           <a:p>
-            <a:pPr/>
             <a:r>
               <a:t>Transfer Learning βελτιώνει σημαντικά την απόδοση</a:t>
             </a:r>
           </a:p>
           <a:p>
-            <a:pPr/>
             <a:r>
               <a:t>Η επιλογή παραμέτρων επηρεάζει έντονα την ακρίβεια</a:t>
             </a:r>
           </a:p>
           <a:p>
-            <a:pPr/>
             <a:r>
               <a:t>Μελλοντική εργασία: Data augmentation, άλλα pre-trained networks</a:t>
             </a:r>
@@ -3313,7 +3551,7 @@
 </file>
 
 <file path=ppt/slides/slide12.xml><?xml version="1.0" encoding="utf-8"?>
-<p:sld xmlns:a="http://schemas.openxmlformats.org/drawingml/2006/main" xmlns:p="http://schemas.openxmlformats.org/presentationml/2006/main" xmlns:r="http://schemas.openxmlformats.org/officeDocument/2006/relationships">
+<p:sld xmlns:a="http://schemas.openxmlformats.org/drawingml/2006/main" xmlns:r="http://schemas.openxmlformats.org/officeDocument/2006/relationships" xmlns:p="http://schemas.openxmlformats.org/presentationml/2006/main">
   <p:cSld>
     <p:spTree>
       <p:nvGrpSpPr>
@@ -3321,7 +3559,14 @@
         <p:cNvGrpSpPr/>
         <p:nvPr/>
       </p:nvGrpSpPr>
-      <p:grpSpPr/>
+      <p:grpSpPr>
+        <a:xfrm>
+          <a:off x="0" y="0"/>
+          <a:ext cx="0" cy="0"/>
+          <a:chOff x="0" y="0"/>
+          <a:chExt cx="0" cy="0"/>
+        </a:xfrm>
+      </p:grpSpPr>
       <p:sp>
         <p:nvSpPr>
           <p:cNvPr id="2" name="Title 1"/>
@@ -3334,7 +3579,9 @@
         </p:nvSpPr>
         <p:spPr/>
         <p:txBody>
-          <a:bodyPr/>
+          <a:bodyPr>
+            <a:normAutofit/>
+          </a:bodyPr>
           <a:lstStyle/>
           <a:p>
             <a:r>
@@ -3385,7 +3632,7 @@
 </file>
 
 <file path=ppt/slides/slide13.xml><?xml version="1.0" encoding="utf-8"?>
-<p:sld xmlns:a="http://schemas.openxmlformats.org/drawingml/2006/main" xmlns:p="http://schemas.openxmlformats.org/presentationml/2006/main" xmlns:r="http://schemas.openxmlformats.org/officeDocument/2006/relationships">
+<p:sld xmlns:a="http://schemas.openxmlformats.org/drawingml/2006/main" xmlns:r="http://schemas.openxmlformats.org/officeDocument/2006/relationships" xmlns:p="http://schemas.openxmlformats.org/presentationml/2006/main">
   <p:cSld>
     <p:spTree>
       <p:nvGrpSpPr>
@@ -3393,7 +3640,14 @@
         <p:cNvGrpSpPr/>
         <p:nvPr/>
       </p:nvGrpSpPr>
-      <p:grpSpPr/>
+      <p:grpSpPr>
+        <a:xfrm>
+          <a:off x="0" y="0"/>
+          <a:ext cx="0" cy="0"/>
+          <a:chOff x="0" y="0"/>
+          <a:chExt cx="0" cy="0"/>
+        </a:xfrm>
+      </p:grpSpPr>
       <p:sp>
         <p:nvSpPr>
           <p:cNvPr id="2" name="Title 1"/>
@@ -3432,7 +3686,7 @@
         <p:spPr>
           <a:xfrm>
             <a:off x="457200" y="1371600"/>
-            <a:ext cx="10924540" cy="5029200"/>
+            <a:ext cx="7805057" cy="3593121"/>
           </a:xfrm>
           <a:prstGeom prst="rect">
             <a:avLst/>
@@ -3448,7 +3702,7 @@
 </file>
 
 <file path=ppt/slides/slide14.xml><?xml version="1.0" encoding="utf-8"?>
-<p:sld xmlns:a="http://schemas.openxmlformats.org/drawingml/2006/main" xmlns:p="http://schemas.openxmlformats.org/presentationml/2006/main" xmlns:r="http://schemas.openxmlformats.org/officeDocument/2006/relationships">
+<p:sld xmlns:a="http://schemas.openxmlformats.org/drawingml/2006/main" xmlns:r="http://schemas.openxmlformats.org/officeDocument/2006/relationships" xmlns:p="http://schemas.openxmlformats.org/presentationml/2006/main">
   <p:cSld>
     <p:spTree>
       <p:nvGrpSpPr>
@@ -3456,7 +3710,14 @@
         <p:cNvGrpSpPr/>
         <p:nvPr/>
       </p:nvGrpSpPr>
-      <p:grpSpPr/>
+      <p:grpSpPr>
+        <a:xfrm>
+          <a:off x="0" y="0"/>
+          <a:ext cx="0" cy="0"/>
+          <a:chOff x="0" y="0"/>
+          <a:chExt cx="0" cy="0"/>
+        </a:xfrm>
+      </p:grpSpPr>
       <p:sp>
         <p:nvSpPr>
           <p:cNvPr id="2" name="Title 1"/>
@@ -3469,7 +3730,9 @@
         </p:nvSpPr>
         <p:spPr/>
         <p:txBody>
-          <a:bodyPr/>
+          <a:bodyPr>
+            <a:normAutofit/>
+          </a:bodyPr>
           <a:lstStyle/>
           <a:p>
             <a:r>
@@ -3511,7 +3774,7 @@
 </file>
 
 <file path=ppt/slides/slide15.xml><?xml version="1.0" encoding="utf-8"?>
-<p:sld xmlns:a="http://schemas.openxmlformats.org/drawingml/2006/main" xmlns:p="http://schemas.openxmlformats.org/presentationml/2006/main" xmlns:r="http://schemas.openxmlformats.org/officeDocument/2006/relationships">
+<p:sld xmlns:a="http://schemas.openxmlformats.org/drawingml/2006/main" xmlns:r="http://schemas.openxmlformats.org/officeDocument/2006/relationships" xmlns:p="http://schemas.openxmlformats.org/presentationml/2006/main">
   <p:cSld>
     <p:spTree>
       <p:nvGrpSpPr>
@@ -3519,7 +3782,14 @@
         <p:cNvGrpSpPr/>
         <p:nvPr/>
       </p:nvGrpSpPr>
-      <p:grpSpPr/>
+      <p:grpSpPr>
+        <a:xfrm>
+          <a:off x="0" y="0"/>
+          <a:ext cx="0" cy="0"/>
+          <a:chOff x="0" y="0"/>
+          <a:chExt cx="0" cy="0"/>
+        </a:xfrm>
+      </p:grpSpPr>
       <p:sp>
         <p:nvSpPr>
           <p:cNvPr id="2" name="Title 1"/>
@@ -3532,7 +3802,9 @@
         </p:nvSpPr>
         <p:spPr/>
         <p:txBody>
-          <a:bodyPr/>
+          <a:bodyPr>
+            <a:normAutofit/>
+          </a:bodyPr>
           <a:lstStyle/>
           <a:p>
             <a:r>
@@ -3573,8 +3845,8 @@
 </p:sld>
 </file>
 
-<file path=ppt/slides/slide2.xml><?xml version="1.0" encoding="utf-8"?>
-<p:sld xmlns:a="http://schemas.openxmlformats.org/drawingml/2006/main" xmlns:p="http://schemas.openxmlformats.org/presentationml/2006/main" xmlns:r="http://schemas.openxmlformats.org/officeDocument/2006/relationships">
+<file path=ppt/slides/slide16.xml><?xml version="1.0" encoding="utf-8"?>
+<p:sld xmlns:a="http://schemas.openxmlformats.org/drawingml/2006/main" xmlns:r="http://schemas.openxmlformats.org/officeDocument/2006/relationships" xmlns:p="http://schemas.openxmlformats.org/presentationml/2006/main">
   <p:cSld>
     <p:spTree>
       <p:nvGrpSpPr>
@@ -3582,7 +3854,14 @@
         <p:cNvGrpSpPr/>
         <p:nvPr/>
       </p:nvGrpSpPr>
-      <p:grpSpPr/>
+      <p:grpSpPr>
+        <a:xfrm>
+          <a:off x="0" y="0"/>
+          <a:ext cx="0" cy="0"/>
+          <a:chOff x="0" y="0"/>
+          <a:chExt cx="0" cy="0"/>
+        </a:xfrm>
+      </p:grpSpPr>
       <p:sp>
         <p:nvSpPr>
           <p:cNvPr id="2" name="Title 1"/>
@@ -3595,6 +3874,97 @@
         </p:nvSpPr>
         <p:spPr/>
         <p:txBody>
+          <a:bodyPr>
+            <a:normAutofit/>
+          </a:bodyPr>
+          <a:lstStyle/>
+          <a:p>
+            <a:r>
+              <a:t>Επίλογος – Συνολικά Συμπεράσματα</a:t>
+            </a:r>
+          </a:p>
+        </p:txBody>
+      </p:sp>
+      <p:sp>
+        <p:nvSpPr>
+          <p:cNvPr id="3" name="Content Placeholder 2"/>
+          <p:cNvSpPr>
+            <a:spLocks noGrp="1"/>
+          </p:cNvSpPr>
+          <p:nvPr>
+            <p:ph idx="1"/>
+          </p:nvPr>
+        </p:nvSpPr>
+        <p:spPr/>
+        <p:txBody>
+          <a:bodyPr>
+            <a:normAutofit fontScale="92500" lnSpcReduction="20000"/>
+          </a:bodyPr>
+          <a:lstStyle/>
+          <a:p>
+            <a:r>
+              <a:t>• Τα custom CNNs έδειξαν αξιοσημείωτη απόδοση με σωστό fine‑tuning, όμως ο προεκπαιδευμένος ResNet18 ξεπέρασε κάθε μοντέλο.</a:t>
+            </a:r>
+          </a:p>
+          <a:p>
+            <a:r>
+              <a:t>• Η αύξηση ανάλυσης εικόνας (224×224) βελτίωσε ελαφρώς το CNN02, αλλά με σημαντικό κόστος χρόνου.</a:t>
+            </a:r>
+          </a:p>
+          <a:p>
+            <a:r>
+              <a:t>• Το Transfer Learning παρέχει γρήγορη σύγκλιση και υψηλή γενίκευση (98 % test accuracy).</a:t>
+            </a:r>
+          </a:p>
+          <a:p>
+            <a:r>
+              <a:t>• Κρίσιμοι παράγοντες: learning rate 0.0003, batch 32–64, early stopping, dropout.</a:t>
+            </a:r>
+          </a:p>
+          <a:p>
+            <a:r>
+              <a:t>• Μελλοντικές κατευθύνσεις: EfficientNet, εκτενέστερο augmentation, Grad‑CAM για ερμηνεία.</a:t>
+            </a:r>
+          </a:p>
+        </p:txBody>
+      </p:sp>
+    </p:spTree>
+  </p:cSld>
+  <p:clrMapOvr>
+    <a:masterClrMapping/>
+  </p:clrMapOvr>
+</p:sld>
+</file>
+
+<file path=ppt/slides/slide2.xml><?xml version="1.0" encoding="utf-8"?>
+<p:sld xmlns:a="http://schemas.openxmlformats.org/drawingml/2006/main" xmlns:r="http://schemas.openxmlformats.org/officeDocument/2006/relationships" xmlns:p="http://schemas.openxmlformats.org/presentationml/2006/main">
+  <p:cSld>
+    <p:spTree>
+      <p:nvGrpSpPr>
+        <p:cNvPr id="1" name=""/>
+        <p:cNvGrpSpPr/>
+        <p:nvPr/>
+      </p:nvGrpSpPr>
+      <p:grpSpPr>
+        <a:xfrm>
+          <a:off x="0" y="0"/>
+          <a:ext cx="0" cy="0"/>
+          <a:chOff x="0" y="0"/>
+          <a:chExt cx="0" cy="0"/>
+        </a:xfrm>
+      </p:grpSpPr>
+      <p:sp>
+        <p:nvSpPr>
+          <p:cNvPr id="2" name="Title 1"/>
+          <p:cNvSpPr>
+            <a:spLocks noGrp="1"/>
+          </p:cNvSpPr>
+          <p:nvPr>
+            <p:ph type="title"/>
+          </p:nvPr>
+        </p:nvSpPr>
+        <p:spPr/>
+        <p:txBody>
           <a:bodyPr/>
           <a:lstStyle/>
           <a:p>
@@ -3618,21 +3988,20 @@
         <p:txBody>
           <a:bodyPr/>
           <a:lstStyle/>
-          <a:p/>
-          <a:p>
-            <a:pPr/>
+          <a:p>
+            <a:endParaRPr/>
+          </a:p>
+          <a:p>
             <a:r>
               <a:t>Σκοπός: Ταξινόμηση εικόνων θαλάσσιων οργανισμών σε 5 κατηγορίες</a:t>
             </a:r>
           </a:p>
           <a:p>
-            <a:pPr/>
             <a:r>
               <a:t>Ανάλυση επιδόσεων διαφορετικών CNN αρχιτεκτονικών</a:t>
             </a:r>
           </a:p>
           <a:p>
-            <a:pPr/>
             <a:r>
               <a:t>Χρήση Transfer Learning για βελτιωμένα αποτελέσματα</a:t>
             </a:r>
@@ -3648,7 +4017,7 @@
 </file>
 
 <file path=ppt/slides/slide3.xml><?xml version="1.0" encoding="utf-8"?>
-<p:sld xmlns:a="http://schemas.openxmlformats.org/drawingml/2006/main" xmlns:p="http://schemas.openxmlformats.org/presentationml/2006/main" xmlns:r="http://schemas.openxmlformats.org/officeDocument/2006/relationships">
+<p:sld xmlns:a="http://schemas.openxmlformats.org/drawingml/2006/main" xmlns:r="http://schemas.openxmlformats.org/officeDocument/2006/relationships" xmlns:p="http://schemas.openxmlformats.org/presentationml/2006/main">
   <p:cSld>
     <p:spTree>
       <p:nvGrpSpPr>
@@ -3656,7 +4025,14 @@
         <p:cNvGrpSpPr/>
         <p:nvPr/>
       </p:nvGrpSpPr>
-      <p:grpSpPr/>
+      <p:grpSpPr>
+        <a:xfrm>
+          <a:off x="0" y="0"/>
+          <a:ext cx="0" cy="0"/>
+          <a:chOff x="0" y="0"/>
+          <a:chExt cx="0" cy="0"/>
+        </a:xfrm>
+      </p:grpSpPr>
       <p:sp>
         <p:nvSpPr>
           <p:cNvPr id="2" name="Title 1"/>
@@ -3692,21 +4068,20 @@
         <p:txBody>
           <a:bodyPr/>
           <a:lstStyle/>
-          <a:p/>
-          <a:p>
-            <a:pPr/>
+          <a:p>
+            <a:endParaRPr/>
+          </a:p>
+          <a:p>
             <a:r>
               <a:t>Κατηγορίες: JellyFish, SeaUrchins, Sharks, Starfish, Turtles</a:t>
             </a:r>
           </a:p>
           <a:p>
-            <a:pPr/>
             <a:r>
               <a:t>Διαχωρισμός: train, validation, test</a:t>
             </a:r>
           </a:p>
           <a:p>
-            <a:pPr/>
             <a:r>
               <a:t>Προεπεξεργασία: Resize (128x128 / 224x224), Normalization</a:t>
             </a:r>
@@ -3722,7 +4097,7 @@
 </file>
 
 <file path=ppt/slides/slide4.xml><?xml version="1.0" encoding="utf-8"?>
-<p:sld xmlns:a="http://schemas.openxmlformats.org/drawingml/2006/main" xmlns:p="http://schemas.openxmlformats.org/presentationml/2006/main" xmlns:r="http://schemas.openxmlformats.org/officeDocument/2006/relationships">
+<p:sld xmlns:a="http://schemas.openxmlformats.org/drawingml/2006/main" xmlns:r="http://schemas.openxmlformats.org/officeDocument/2006/relationships" xmlns:p="http://schemas.openxmlformats.org/presentationml/2006/main">
   <p:cSld>
     <p:spTree>
       <p:nvGrpSpPr>
@@ -3730,7 +4105,14 @@
         <p:cNvGrpSpPr/>
         <p:nvPr/>
       </p:nvGrpSpPr>
-      <p:grpSpPr/>
+      <p:grpSpPr>
+        <a:xfrm>
+          <a:off x="0" y="0"/>
+          <a:ext cx="0" cy="0"/>
+          <a:chOff x="0" y="0"/>
+          <a:chExt cx="0" cy="0"/>
+        </a:xfrm>
+      </p:grpSpPr>
       <p:sp>
         <p:nvSpPr>
           <p:cNvPr id="2" name="Title 1"/>
@@ -3764,25 +4146,72 @@
         </p:nvSpPr>
         <p:spPr/>
         <p:txBody>
-          <a:bodyPr/>
-          <a:lstStyle/>
-          <a:p/>
-          <a:p>
-            <a:pPr/>
-            <a:r>
-              <a:t>CNN01: Βασική αρχιτεκτονική με 2 Conv layers</a:t>
-            </a:r>
-          </a:p>
-          <a:p>
-            <a:pPr/>
-            <a:r>
-              <a:t>CNN02: Επιπλέον layers &amp; Dropout</a:t>
-            </a:r>
-          </a:p>
-          <a:p>
-            <a:pPr/>
-            <a:r>
-              <a:t>Εκπαίδευση με διαφορετικά LR &amp; Batch sizes</a:t>
+          <a:bodyPr>
+            <a:normAutofit fontScale="62500" lnSpcReduction="20000"/>
+          </a:bodyPr>
+          <a:lstStyle/>
+          <a:p>
+            <a:endParaRPr/>
+          </a:p>
+          <a:p>
+            <a:r>
+              <a:t>CNN01: 3 Convolutional blocks:</a:t>
+            </a:r>
+          </a:p>
+          <a:p>
+            <a:pPr lvl="1"/>
+            <a:r>
+              <a:t>  • Conv(3→8) → BatchNorm → ReLU → MaxPool</a:t>
+            </a:r>
+          </a:p>
+          <a:p>
+            <a:pPr lvl="1"/>
+            <a:r>
+              <a:t>  • Conv(8→16) → BatchNorm → ReLU → MaxPool</a:t>
+            </a:r>
+          </a:p>
+          <a:p>
+            <a:pPr lvl="1"/>
+            <a:r>
+              <a:t>  • Conv(16→32) → BatchNorm → ReLU → MaxPool</a:t>
+            </a:r>
+          </a:p>
+          <a:p>
+            <a:pPr lvl="1"/>
+            <a:r>
+              <a:t>  → Flatten → Linear(32*H*W → 128) → ReLU → Dropout(0.4) → Linear → Softmax</a:t>
+            </a:r>
+          </a:p>
+          <a:p>
+            <a:endParaRPr/>
+          </a:p>
+          <a:p>
+            <a:r>
+              <a:t>CNN02: 3 Convolutional blocks με περισσότερα filters:</a:t>
+            </a:r>
+          </a:p>
+          <a:p>
+            <a:pPr lvl="1"/>
+            <a:r>
+              <a:t>  • Conv(3→32) → BatchNorm → ReLU → MaxPool</a:t>
+            </a:r>
+          </a:p>
+          <a:p>
+            <a:pPr lvl="1"/>
+            <a:r>
+              <a:t>  • Conv(32→64) → BatchNorm → ReLU → MaxPool</a:t>
+            </a:r>
+          </a:p>
+          <a:p>
+            <a:pPr lvl="1"/>
+            <a:r>
+              <a:t>  • Conv(64→128) → BatchNorm → ReLU → MaxPool</a:t>
+            </a:r>
+          </a:p>
+          <a:p>
+            <a:pPr lvl="1"/>
+            <a:r>
+              <a:t>  → Flatten → Linear(… → 256) → ReLU → Dropout(0.5) → Linear → Softmax</a:t>
             </a:r>
           </a:p>
         </p:txBody>
@@ -3796,7 +4225,7 @@
 </file>
 
 <file path=ppt/slides/slide5.xml><?xml version="1.0" encoding="utf-8"?>
-<p:sld xmlns:a="http://schemas.openxmlformats.org/drawingml/2006/main" xmlns:p="http://schemas.openxmlformats.org/presentationml/2006/main" xmlns:r="http://schemas.openxmlformats.org/officeDocument/2006/relationships">
+<p:sld xmlns:a="http://schemas.openxmlformats.org/drawingml/2006/main" xmlns:r="http://schemas.openxmlformats.org/officeDocument/2006/relationships" xmlns:p="http://schemas.openxmlformats.org/presentationml/2006/main">
   <p:cSld>
     <p:spTree>
       <p:nvGrpSpPr>
@@ -3804,7 +4233,14 @@
         <p:cNvGrpSpPr/>
         <p:nvPr/>
       </p:nvGrpSpPr>
-      <p:grpSpPr/>
+      <p:grpSpPr>
+        <a:xfrm>
+          <a:off x="0" y="0"/>
+          <a:ext cx="0" cy="0"/>
+          <a:chOff x="0" y="0"/>
+          <a:chExt cx="0" cy="0"/>
+        </a:xfrm>
+      </p:grpSpPr>
       <p:sp>
         <p:nvSpPr>
           <p:cNvPr id="2" name="Title 1"/>
@@ -3840,27 +4276,25 @@
         <p:txBody>
           <a:bodyPr/>
           <a:lstStyle/>
-          <a:p/>
-          <a:p>
-            <a:pPr/>
+          <a:p>
+            <a:endParaRPr/>
+          </a:p>
+          <a:p>
             <a:r>
               <a:t>Δοκιμή με 5 διαφορετικά Learning Rates</a:t>
             </a:r>
           </a:p>
           <a:p>
-            <a:pPr/>
             <a:r>
               <a:t>2 διαφορετικά Batch Sizes</a:t>
             </a:r>
           </a:p>
           <a:p>
-            <a:pPr/>
             <a:r>
               <a:t>Χρήση EarlyStopping με patience</a:t>
             </a:r>
           </a:p>
           <a:p>
-            <a:pPr/>
             <a:r>
               <a:t>Αξιολόγηση επίδοσης και χρόνου εκπαίδευσης</a:t>
             </a:r>
@@ -3876,7 +4310,7 @@
 </file>
 
 <file path=ppt/slides/slide6.xml><?xml version="1.0" encoding="utf-8"?>
-<p:sld xmlns:a="http://schemas.openxmlformats.org/drawingml/2006/main" xmlns:p="http://schemas.openxmlformats.org/presentationml/2006/main" xmlns:r="http://schemas.openxmlformats.org/officeDocument/2006/relationships">
+<p:sld xmlns:a="http://schemas.openxmlformats.org/drawingml/2006/main" xmlns:r="http://schemas.openxmlformats.org/officeDocument/2006/relationships" xmlns:p="http://schemas.openxmlformats.org/presentationml/2006/main">
   <p:cSld>
     <p:spTree>
       <p:nvGrpSpPr>
@@ -3884,7 +4318,14 @@
         <p:cNvGrpSpPr/>
         <p:nvPr/>
       </p:nvGrpSpPr>
-      <p:grpSpPr/>
+      <p:grpSpPr>
+        <a:xfrm>
+          <a:off x="0" y="0"/>
+          <a:ext cx="0" cy="0"/>
+          <a:chOff x="0" y="0"/>
+          <a:chExt cx="0" cy="0"/>
+        </a:xfrm>
+      </p:grpSpPr>
       <p:sp>
         <p:nvSpPr>
           <p:cNvPr id="2" name="Title 1"/>
@@ -3920,27 +4361,25 @@
         <p:txBody>
           <a:bodyPr/>
           <a:lstStyle/>
-          <a:p/>
-          <a:p>
-            <a:pPr/>
+          <a:p>
+            <a:endParaRPr/>
+          </a:p>
+          <a:p>
             <a:r>
               <a:t>CNN02 είχε καλύτερες επιδόσεις από CNN01</a:t>
             </a:r>
           </a:p>
           <a:p>
-            <a:pPr/>
             <a:r>
               <a:t>Learning Rate 0.0001 - 0.0005 απέδωσαν καλύτερα</a:t>
             </a:r>
           </a:p>
           <a:p>
-            <a:pPr/>
             <a:r>
               <a:t>Batch size 32 πιο σταθερό</a:t>
             </a:r>
           </a:p>
           <a:p>
-            <a:pPr/>
             <a:r>
               <a:t>Χρόνοι εκπαίδευσης: 30-90 λεπτά</a:t>
             </a:r>
@@ -3956,7 +4395,7 @@
 </file>
 
 <file path=ppt/slides/slide7.xml><?xml version="1.0" encoding="utf-8"?>
-<p:sld xmlns:a="http://schemas.openxmlformats.org/drawingml/2006/main" xmlns:p="http://schemas.openxmlformats.org/presentationml/2006/main" xmlns:r="http://schemas.openxmlformats.org/officeDocument/2006/relationships">
+<p:sld xmlns:a="http://schemas.openxmlformats.org/drawingml/2006/main" xmlns:r="http://schemas.openxmlformats.org/officeDocument/2006/relationships" xmlns:p="http://schemas.openxmlformats.org/presentationml/2006/main">
   <p:cSld>
     <p:spTree>
       <p:nvGrpSpPr>
@@ -3964,7 +4403,14 @@
         <p:cNvGrpSpPr/>
         <p:nvPr/>
       </p:nvGrpSpPr>
-      <p:grpSpPr/>
+      <p:grpSpPr>
+        <a:xfrm>
+          <a:off x="0" y="0"/>
+          <a:ext cx="0" cy="0"/>
+          <a:chOff x="0" y="0"/>
+          <a:chExt cx="0" cy="0"/>
+        </a:xfrm>
+      </p:grpSpPr>
       <p:sp>
         <p:nvSpPr>
           <p:cNvPr id="2" name="Title 1"/>
@@ -4000,21 +4446,20 @@
         <p:txBody>
           <a:bodyPr/>
           <a:lstStyle/>
-          <a:p/>
-          <a:p>
-            <a:pPr/>
+          <a:p>
+            <a:endParaRPr/>
+          </a:p>
+          <a:p>
             <a:r>
               <a:t>1. Accuracy vs Epochs για 2 διαφορετικά LRs</a:t>
             </a:r>
           </a:p>
           <a:p>
-            <a:pPr/>
             <a:r>
               <a:t>2. Loss σύγκριση CNN01 vs CNN02</a:t>
             </a:r>
           </a:p>
           <a:p>
-            <a:pPr/>
             <a:r>
               <a:t>(*εισαγωγή γραφημάτων χειροκίνητα*)</a:t>
             </a:r>
@@ -4030,7 +4475,7 @@
 </file>
 
 <file path=ppt/slides/slide8.xml><?xml version="1.0" encoding="utf-8"?>
-<p:sld xmlns:a="http://schemas.openxmlformats.org/drawingml/2006/main" xmlns:p="http://schemas.openxmlformats.org/presentationml/2006/main" xmlns:r="http://schemas.openxmlformats.org/officeDocument/2006/relationships">
+<p:sld xmlns:a="http://schemas.openxmlformats.org/drawingml/2006/main" xmlns:r="http://schemas.openxmlformats.org/officeDocument/2006/relationships" xmlns:p="http://schemas.openxmlformats.org/presentationml/2006/main">
   <p:cSld>
     <p:spTree>
       <p:nvGrpSpPr>
@@ -4038,7 +4483,14 @@
         <p:cNvGrpSpPr/>
         <p:nvPr/>
       </p:nvGrpSpPr>
-      <p:grpSpPr/>
+      <p:grpSpPr>
+        <a:xfrm>
+          <a:off x="0" y="0"/>
+          <a:ext cx="0" cy="0"/>
+          <a:chOff x="0" y="0"/>
+          <a:chExt cx="0" cy="0"/>
+        </a:xfrm>
+      </p:grpSpPr>
       <p:sp>
         <p:nvSpPr>
           <p:cNvPr id="2" name="Title 1"/>
@@ -4074,27 +4526,25 @@
         <p:txBody>
           <a:bodyPr/>
           <a:lstStyle/>
-          <a:p/>
-          <a:p>
-            <a:pPr/>
+          <a:p>
+            <a:endParaRPr/>
+          </a:p>
+          <a:p>
             <a:r>
               <a:t>Φορτώνουμε προεκπαιδευμένα βάρη από ImageNet</a:t>
             </a:r>
           </a:p>
           <a:p>
-            <a:pPr/>
             <a:r>
               <a:t>Αφαιρούμε το τελικό FC layer</a:t>
             </a:r>
           </a:p>
           <a:p>
-            <a:pPr/>
             <a:r>
               <a:t>Προσθέτουμε Dropout + νέο FC layer για 5 classes</a:t>
             </a:r>
           </a:p>
           <a:p>
-            <a:pPr/>
             <a:r>
               <a:t>Fine-tuning του τελευταίου μέρους του δικτύου</a:t>
             </a:r>
@@ -4110,7 +4560,7 @@
 </file>
 
 <file path=ppt/slides/slide9.xml><?xml version="1.0" encoding="utf-8"?>
-<p:sld xmlns:a="http://schemas.openxmlformats.org/drawingml/2006/main" xmlns:p="http://schemas.openxmlformats.org/presentationml/2006/main" xmlns:r="http://schemas.openxmlformats.org/officeDocument/2006/relationships">
+<p:sld xmlns:a="http://schemas.openxmlformats.org/drawingml/2006/main" xmlns:r="http://schemas.openxmlformats.org/officeDocument/2006/relationships" xmlns:p="http://schemas.openxmlformats.org/presentationml/2006/main">
   <p:cSld>
     <p:spTree>
       <p:nvGrpSpPr>
@@ -4118,7 +4568,14 @@
         <p:cNvGrpSpPr/>
         <p:nvPr/>
       </p:nvGrpSpPr>
-      <p:grpSpPr/>
+      <p:grpSpPr>
+        <a:xfrm>
+          <a:off x="0" y="0"/>
+          <a:ext cx="0" cy="0"/>
+          <a:chOff x="0" y="0"/>
+          <a:chExt cx="0" cy="0"/>
+        </a:xfrm>
+      </p:grpSpPr>
       <p:sp>
         <p:nvSpPr>
           <p:cNvPr id="2" name="Title 1"/>
@@ -4154,27 +4611,25 @@
         <p:txBody>
           <a:bodyPr/>
           <a:lstStyle/>
-          <a:p/>
-          <a:p>
-            <a:pPr/>
+          <a:p>
+            <a:endParaRPr/>
+          </a:p>
+          <a:p>
             <a:r>
               <a:t>Εκπαίδευση με εικόνες 224x224</a:t>
             </a:r>
           </a:p>
           <a:p>
-            <a:pPr/>
             <a:r>
               <a:t>Χρόνος: ~50 λεπτά</a:t>
             </a:r>
           </a:p>
           <a:p>
-            <a:pPr/>
             <a:r>
               <a:t>Accuracy στο test set: 98%</a:t>
             </a:r>
           </a:p>
           <a:p>
-            <a:pPr/>
             <a:r>
               <a:t>Πολύ καλύτερη γενίκευση από τα CNNs</a:t>
             </a:r>
@@ -4190,91 +4645,58 @@
 </file>
 
 <file path=ppt/theme/theme1.xml><?xml version="1.0" encoding="utf-8"?>
-<a:theme xmlns:a="http://schemas.openxmlformats.org/drawingml/2006/main" name="Office Theme">
+<a:theme xmlns:a="http://schemas.openxmlformats.org/drawingml/2006/main" name="Parcel">
   <a:themeElements>
-    <a:clrScheme name="Office">
+    <a:clrScheme name="Parcel">
       <a:dk1>
-        <a:sysClr val="windowText" lastClr="000000"/>
+        <a:srgbClr val="000000"/>
       </a:dk1>
       <a:lt1>
-        <a:sysClr val="window" lastClr="FFFFFF"/>
+        <a:srgbClr val="FFFFFF"/>
       </a:lt1>
       <a:dk2>
-        <a:srgbClr val="1F497D"/>
+        <a:srgbClr val="4A5356"/>
       </a:dk2>
       <a:lt2>
-        <a:srgbClr val="EEECE1"/>
+        <a:srgbClr val="E8E3CE"/>
       </a:lt2>
       <a:accent1>
-        <a:srgbClr val="4F81BD"/>
+        <a:srgbClr val="F6A21D"/>
       </a:accent1>
       <a:accent2>
-        <a:srgbClr val="C0504D"/>
+        <a:srgbClr val="9BAFB5"/>
       </a:accent2>
       <a:accent3>
-        <a:srgbClr val="9BBB59"/>
+        <a:srgbClr val="C96731"/>
       </a:accent3>
       <a:accent4>
-        <a:srgbClr val="8064A2"/>
+        <a:srgbClr val="9CA383"/>
       </a:accent4>
       <a:accent5>
-        <a:srgbClr val="4BACC6"/>
+        <a:srgbClr val="87795D"/>
       </a:accent5>
       <a:accent6>
-        <a:srgbClr val="F79646"/>
+        <a:srgbClr val="A0988C"/>
       </a:accent6>
       <a:hlink>
-        <a:srgbClr val="0000FF"/>
+        <a:srgbClr val="00B0F0"/>
       </a:hlink>
       <a:folHlink>
-        <a:srgbClr val="800080"/>
+        <a:srgbClr val="738F97"/>
       </a:folHlink>
     </a:clrScheme>
-    <a:fontScheme name="Office">
+    <a:fontScheme name="Parcel">
       <a:majorFont>
-        <a:latin typeface="Calibri"/>
+        <a:latin typeface="Gill Sans MT" panose="020B0502020104020203"/>
         <a:ea typeface=""/>
         <a:cs typeface=""/>
-        <a:font script="Jpan" typeface="ＭＳ Ｐゴシック"/>
-        <a:font script="Hang" typeface="맑은 고딕"/>
-        <a:font script="Hans" typeface="宋体"/>
-        <a:font script="Hant" typeface="新細明體"/>
-        <a:font script="Arab" typeface="Times New Roman"/>
-        <a:font script="Hebr" typeface="Times New Roman"/>
-        <a:font script="Thai" typeface="Angsana New"/>
-        <a:font script="Ethi" typeface="Nyala"/>
-        <a:font script="Beng" typeface="Vrinda"/>
-        <a:font script="Gujr" typeface="Shruti"/>
-        <a:font script="Khmr" typeface="MoolBoran"/>
-        <a:font script="Knda" typeface="Tunga"/>
-        <a:font script="Guru" typeface="Raavi"/>
-        <a:font script="Cans" typeface="Euphemia"/>
-        <a:font script="Cher" typeface="Plantagenet Cherokee"/>
-        <a:font script="Yiii" typeface="Microsoft Yi Baiti"/>
-        <a:font script="Tibt" typeface="Microsoft Himalaya"/>
-        <a:font script="Thaa" typeface="MV Boli"/>
-        <a:font script="Deva" typeface="Mangal"/>
-        <a:font script="Telu" typeface="Gautami"/>
-        <a:font script="Taml" typeface="Latha"/>
-        <a:font script="Syrc" typeface="Estrangelo Edessa"/>
-        <a:font script="Orya" typeface="Kalinga"/>
-        <a:font script="Mlym" typeface="Kartika"/>
-        <a:font script="Laoo" typeface="DokChampa"/>
-        <a:font script="Sinh" typeface="Iskoola Pota"/>
-        <a:font script="Mong" typeface="Mongolian Baiti"/>
-        <a:font script="Viet" typeface="Times New Roman"/>
-        <a:font script="Uigh" typeface="Microsoft Uighur"/>
-        <a:font script="Geor" typeface="Sylfaen"/>
-      </a:majorFont>
-      <a:minorFont>
-        <a:latin typeface="Calibri"/>
-        <a:ea typeface=""/>
-        <a:cs typeface=""/>
-        <a:font script="Jpan" typeface="ＭＳ Ｐゴシック"/>
-        <a:font script="Hang" typeface="맑은 고딕"/>
-        <a:font script="Hans" typeface="宋体"/>
-        <a:font script="Hant" typeface="新細明體"/>
-        <a:font script="Arab" typeface="Arial"/>
+        <a:font script="Grek" typeface="Corbel"/>
+        <a:font script="Cyrl" typeface="Corbel"/>
+        <a:font script="Jpan" typeface="HGｺﾞｼｯｸE"/>
+        <a:font script="Hang" typeface="휴먼매직체"/>
+        <a:font script="Hans" typeface="华文中宋"/>
+        <a:font script="Hant" typeface="微軟正黑體"/>
+        <a:font script="Arab" typeface="Majalla UI"/>
         <a:font script="Hebr" typeface="Arial"/>
         <a:font script="Thai" typeface="Cordia New"/>
         <a:font script="Ethi" typeface="Nyala"/>
@@ -4297,12 +4719,49 @@
         <a:font script="Laoo" typeface="DokChampa"/>
         <a:font script="Sinh" typeface="Iskoola Pota"/>
         <a:font script="Mong" typeface="Mongolian Baiti"/>
-        <a:font script="Viet" typeface="Arial"/>
+        <a:font script="Viet" typeface="Tahoma"/>
+        <a:font script="Uigh" typeface="Microsoft Uighur"/>
+        <a:font script="Geor" typeface="Sylfaen"/>
+      </a:majorFont>
+      <a:minorFont>
+        <a:latin typeface="Gill Sans MT" panose="020B0502020104020203"/>
+        <a:ea typeface=""/>
+        <a:cs typeface=""/>
+        <a:font script="Grek" typeface="Corbel"/>
+        <a:font script="Cyrl" typeface="Corbel"/>
+        <a:font script="Jpan" typeface="HGｺﾞｼｯｸE"/>
+        <a:font script="Hang" typeface="휴먼매직체"/>
+        <a:font script="Hans" typeface="华文中宋"/>
+        <a:font script="Hant" typeface="微軟正黑體"/>
+        <a:font script="Arab" typeface="Majalla UI"/>
+        <a:font script="Hebr" typeface="Arial"/>
+        <a:font script="Thai" typeface="Cordia New"/>
+        <a:font script="Ethi" typeface="Nyala"/>
+        <a:font script="Beng" typeface="Vrinda"/>
+        <a:font script="Gujr" typeface="Shruti"/>
+        <a:font script="Khmr" typeface="DaunPenh"/>
+        <a:font script="Knda" typeface="Tunga"/>
+        <a:font script="Guru" typeface="Raavi"/>
+        <a:font script="Cans" typeface="Euphemia"/>
+        <a:font script="Cher" typeface="Plantagenet Cherokee"/>
+        <a:font script="Yiii" typeface="Microsoft Yi Baiti"/>
+        <a:font script="Tibt" typeface="Microsoft Himalaya"/>
+        <a:font script="Thaa" typeface="MV Boli"/>
+        <a:font script="Deva" typeface="Mangal"/>
+        <a:font script="Telu" typeface="Gautami"/>
+        <a:font script="Taml" typeface="Latha"/>
+        <a:font script="Syrc" typeface="Estrangelo Edessa"/>
+        <a:font script="Orya" typeface="Kalinga"/>
+        <a:font script="Mlym" typeface="Kartika"/>
+        <a:font script="Laoo" typeface="DokChampa"/>
+        <a:font script="Sinh" typeface="Iskoola Pota"/>
+        <a:font script="Mong" typeface="Mongolian Baiti"/>
+        <a:font script="Viet" typeface="Tahoma"/>
         <a:font script="Uigh" typeface="Microsoft Uighur"/>
         <a:font script="Geor" typeface="Sylfaen"/>
       </a:minorFont>
     </a:fontScheme>
-    <a:fmtScheme name="Office">
+    <a:fmtScheme name="Parcel">
       <a:fillStyleLst>
         <a:solidFill>
           <a:schemeClr val="phClr"/>
@@ -4311,62 +4770,62 @@
           <a:gsLst>
             <a:gs pos="0">
               <a:schemeClr val="phClr">
-                <a:tint val="50000"/>
-                <a:satMod val="300000"/>
-              </a:schemeClr>
-            </a:gs>
-            <a:gs pos="35000">
-              <a:schemeClr val="phClr">
-                <a:tint val="37000"/>
-                <a:satMod val="300000"/>
+                <a:tint val="80000"/>
+                <a:satMod val="107000"/>
+                <a:lumMod val="103000"/>
               </a:schemeClr>
             </a:gs>
             <a:gs pos="100000">
               <a:schemeClr val="phClr">
-                <a:tint val="15000"/>
-                <a:satMod val="350000"/>
+                <a:tint val="82000"/>
+                <a:satMod val="109000"/>
+                <a:lumMod val="103000"/>
               </a:schemeClr>
             </a:gs>
           </a:gsLst>
-          <a:lin ang="16200000" scaled="1"/>
+          <a:lin ang="5400000" scaled="0"/>
         </a:gradFill>
         <a:gradFill rotWithShape="1">
           <a:gsLst>
             <a:gs pos="0">
               <a:schemeClr val="phClr">
-                <a:tint val="100000"/>
+                <a:tint val="97000"/>
+                <a:satMod val="100000"/>
+                <a:lumMod val="102000"/>
+              </a:schemeClr>
+            </a:gs>
+            <a:gs pos="50000">
+              <a:schemeClr val="phClr">
                 <a:shade val="100000"/>
-                <a:satMod val="130000"/>
+                <a:satMod val="103000"/>
+                <a:lumMod val="100000"/>
               </a:schemeClr>
             </a:gs>
             <a:gs pos="100000">
               <a:schemeClr val="phClr">
-                <a:tint val="50000"/>
-                <a:shade val="100000"/>
-                <a:satMod val="350000"/>
+                <a:shade val="93000"/>
+                <a:satMod val="110000"/>
+                <a:lumMod val="99000"/>
               </a:schemeClr>
             </a:gs>
           </a:gsLst>
-          <a:lin ang="16200000" scaled="0"/>
+          <a:lin ang="5400000" scaled="0"/>
         </a:gradFill>
       </a:fillStyleLst>
       <a:lnStyleLst>
-        <a:ln w="9525" cap="flat" cmpd="sng" algn="ctr">
-          <a:solidFill>
-            <a:schemeClr val="phClr">
-              <a:shade val="95000"/>
-              <a:satMod val="105000"/>
-            </a:schemeClr>
-          </a:solidFill>
-          <a:prstDash val="solid"/>
-        </a:ln>
-        <a:ln w="25400" cap="flat" cmpd="sng" algn="ctr">
+        <a:ln w="6350" cap="flat" cmpd="sng" algn="ctr">
           <a:solidFill>
             <a:schemeClr val="phClr"/>
           </a:solidFill>
           <a:prstDash val="solid"/>
         </a:ln>
-        <a:ln w="38100" cap="flat" cmpd="sng" algn="ctr">
+        <a:ln w="12700" cap="flat" cmpd="sng" algn="ctr">
+          <a:solidFill>
+            <a:schemeClr val="phClr"/>
+          </a:solidFill>
+          <a:prstDash val="solid"/>
+        </a:ln>
+        <a:ln w="31750" cap="flat" cmpd="sng" algn="ctr">
           <a:solidFill>
             <a:schemeClr val="phClr"/>
           </a:solidFill>
@@ -4375,28 +4834,16 @@
       </a:lnStyleLst>
       <a:effectStyleLst>
         <a:effectStyle>
-          <a:effectLst>
-            <a:outerShdw blurRad="40000" dist="20000" dir="5400000" rotWithShape="0">
-              <a:srgbClr val="000000">
-                <a:alpha val="38000"/>
-              </a:srgbClr>
-            </a:outerShdw>
-          </a:effectLst>
+          <a:effectLst/>
+        </a:effectStyle>
+        <a:effectStyle>
+          <a:effectLst/>
         </a:effectStyle>
         <a:effectStyle>
           <a:effectLst>
-            <a:outerShdw blurRad="40000" dist="23000" dir="5400000" rotWithShape="0">
+            <a:outerShdw blurRad="55880" dist="15240" dir="5400000" algn="ctr" rotWithShape="0">
               <a:srgbClr val="000000">
-                <a:alpha val="35000"/>
-              </a:srgbClr>
-            </a:outerShdw>
-          </a:effectLst>
-        </a:effectStyle>
-        <a:effectStyle>
-          <a:effectLst>
-            <a:outerShdw blurRad="40000" dist="23000" dir="5400000" rotWithShape="0">
-              <a:srgbClr val="000000">
-                <a:alpha val="35000"/>
+                <a:alpha val="45000"/>
               </a:srgbClr>
             </a:outerShdw>
           </a:effectLst>
@@ -4404,12 +4851,10 @@
             <a:camera prst="orthographicFront">
               <a:rot lat="0" lon="0" rev="0"/>
             </a:camera>
-            <a:lightRig rig="threePt" dir="t">
-              <a:rot lat="0" lon="0" rev="1200000"/>
-            </a:lightRig>
+            <a:lightRig rig="brightRoom" dir="tl"/>
           </a:scene3d>
-          <a:sp3d>
-            <a:bevelT w="63500" h="25400"/>
+          <a:sp3d prstMaterial="dkEdge">
+            <a:bevelT w="0" h="0"/>
           </a:sp3d>
         </a:effectStyle>
       </a:effectStyleLst>
@@ -4417,94 +4862,44 @@
         <a:solidFill>
           <a:schemeClr val="phClr"/>
         </a:solidFill>
+        <a:solidFill>
+          <a:schemeClr val="phClr">
+            <a:tint val="95000"/>
+            <a:satMod val="170000"/>
+          </a:schemeClr>
+        </a:solidFill>
         <a:gradFill rotWithShape="1">
           <a:gsLst>
             <a:gs pos="0">
               <a:schemeClr val="phClr">
-                <a:tint val="40000"/>
-                <a:satMod val="350000"/>
-              </a:schemeClr>
-            </a:gs>
-            <a:gs pos="40000">
-              <a:schemeClr val="phClr">
-                <a:tint val="45000"/>
-                <a:shade val="99000"/>
-                <a:satMod val="350000"/>
+                <a:tint val="97000"/>
+                <a:shade val="100000"/>
+                <a:satMod val="185000"/>
+                <a:lumMod val="120000"/>
               </a:schemeClr>
             </a:gs>
             <a:gs pos="100000">
               <a:schemeClr val="phClr">
-                <a:shade val="20000"/>
-                <a:satMod val="255000"/>
+                <a:tint val="96000"/>
+                <a:shade val="95000"/>
+                <a:satMod val="215000"/>
+                <a:lumMod val="80000"/>
               </a:schemeClr>
             </a:gs>
           </a:gsLst>
           <a:path path="circle">
-            <a:fillToRect l="50000" t="-80000" r="50000" b="180000"/>
-          </a:path>
-        </a:gradFill>
-        <a:gradFill rotWithShape="1">
-          <a:gsLst>
-            <a:gs pos="0">
-              <a:schemeClr val="phClr">
-                <a:tint val="80000"/>
-                <a:satMod val="300000"/>
-              </a:schemeClr>
-            </a:gs>
-            <a:gs pos="100000">
-              <a:schemeClr val="phClr">
-                <a:shade val="30000"/>
-                <a:satMod val="200000"/>
-              </a:schemeClr>
-            </a:gs>
-          </a:gsLst>
-          <a:path path="circle">
-            <a:fillToRect l="50000" t="50000" r="50000" b="50000"/>
+            <a:fillToRect l="50000" t="55000" r="125000" b="100000"/>
           </a:path>
         </a:gradFill>
       </a:bgFillStyleLst>
     </a:fmtScheme>
   </a:themeElements>
-  <a:objectDefaults>
-    <a:spDef>
-      <a:spPr/>
-      <a:bodyPr/>
-      <a:lstStyle/>
-      <a:style>
-        <a:lnRef idx="1">
-          <a:schemeClr val="accent1"/>
-        </a:lnRef>
-        <a:fillRef idx="3">
-          <a:schemeClr val="accent1"/>
-        </a:fillRef>
-        <a:effectRef idx="2">
-          <a:schemeClr val="accent1"/>
-        </a:effectRef>
-        <a:fontRef idx="minor">
-          <a:schemeClr val="lt1"/>
-        </a:fontRef>
-      </a:style>
-    </a:spDef>
-    <a:lnDef>
-      <a:spPr/>
-      <a:bodyPr/>
-      <a:lstStyle/>
-      <a:style>
-        <a:lnRef idx="2">
-          <a:schemeClr val="accent1"/>
-        </a:lnRef>
-        <a:fillRef idx="0">
-          <a:schemeClr val="accent1"/>
-        </a:fillRef>
-        <a:effectRef idx="1">
-          <a:schemeClr val="accent1"/>
-        </a:effectRef>
-        <a:fontRef idx="minor">
-          <a:schemeClr val="tx1"/>
-        </a:fontRef>
-      </a:style>
-    </a:lnDef>
-  </a:objectDefaults>
+  <a:objectDefaults/>
   <a:extraClrSchemeLst/>
+  <a:extLst>
+    <a:ext uri="{05A4C25C-085E-4340-85A3-A5531E510DB2}">
+      <thm15:themeFamily xmlns:thm15="http://schemas.microsoft.com/office/thememl/2012/main" name="Parcel" id="{8BEC4385-4EB9-4D53-BFB5-0EA123736B6D}" vid="{4DB32801-28C0-48B0-8C1D-A9A58613615A}"/>
+    </a:ext>
+  </a:extLst>
 </a:theme>
 </file>